--- a/4_Praesentation/DV-Projekt.pptx
+++ b/4_Praesentation/DV-Projekt.pptx
@@ -111,6 +111,11 @@
       </a:defRPr>
     </a:lvl9pPr>
   </p:defaultTextStyle>
+  <p:extLst>
+    <p:ext uri="{EFAFB233-063F-42B5-8137-9DF3F51BA10A}">
+      <p15:sldGuideLst xmlns:p15="http://schemas.microsoft.com/office/powerpoint/2012/main"/>
+    </p:ext>
+  </p:extLst>
 </p:presentation>
 </file>
 
@@ -358,7 +363,7 @@
           <a:p>
             <a:fld id="{9184DA70-C731-4C70-880D-CCD4705E623C}" type="datetime1">
               <a:rPr lang="en-US" smtClean="0"/>
-              <a:t>6/16/2022</a:t>
+              <a:t>6/18/2022</a:t>
             </a:fld>
             <a:endParaRPr lang="en-US" dirty="0"/>
           </a:p>
@@ -546,7 +551,7 @@
           <a:p>
             <a:fld id="{B612A279-0833-481D-8C56-F67FD0AC6C50}" type="datetime1">
               <a:rPr lang="en-US" smtClean="0"/>
-              <a:t>6/16/2022</a:t>
+              <a:t>6/18/2022</a:t>
             </a:fld>
             <a:endParaRPr lang="en-US" dirty="0"/>
           </a:p>
@@ -788,7 +793,7 @@
           <a:p>
             <a:fld id="{6587DA83-5663-4C9C-B9AA-0B40A3DAFF81}" type="datetime1">
               <a:rPr lang="en-US" smtClean="0"/>
-              <a:t>6/16/2022</a:t>
+              <a:t>6/18/2022</a:t>
             </a:fld>
             <a:endParaRPr lang="en-US" dirty="0"/>
           </a:p>
@@ -3208,7 +3213,7 @@
           <a:p>
             <a:fld id="{3C04E684-10F4-4CC3-A0B9-F03AA7BE37CF}" type="datetimeFigureOut">
               <a:rPr lang="en-US" smtClean="0"/>
-              <a:t>6/16/2022</a:t>
+              <a:t>6/18/2022</a:t>
             </a:fld>
             <a:endParaRPr lang="en-US"/>
           </a:p>
@@ -3945,7 +3950,7 @@
           <a:p>
             <a:fld id="{3C04E684-10F4-4CC3-A0B9-F03AA7BE37CF}" type="datetimeFigureOut">
               <a:rPr lang="en-US" smtClean="0"/>
-              <a:t>6/16/2022</a:t>
+              <a:t>6/18/2022</a:t>
             </a:fld>
             <a:endParaRPr lang="en-US"/>
           </a:p>
@@ -4587,7 +4592,7 @@
           <a:p>
             <a:fld id="{3C04E684-10F4-4CC3-A0B9-F03AA7BE37CF}" type="datetimeFigureOut">
               <a:rPr lang="en-US" smtClean="0"/>
-              <a:t>6/16/2022</a:t>
+              <a:t>6/18/2022</a:t>
             </a:fld>
             <a:endParaRPr lang="en-US"/>
           </a:p>
@@ -5387,7 +5392,7 @@
           <a:p>
             <a:fld id="{3C04E684-10F4-4CC3-A0B9-F03AA7BE37CF}" type="datetimeFigureOut">
               <a:rPr lang="en-US" smtClean="0"/>
-              <a:t>6/16/2022</a:t>
+              <a:t>6/18/2022</a:t>
             </a:fld>
             <a:endParaRPr lang="en-US"/>
           </a:p>
@@ -6338,7 +6343,7 @@
           <a:p>
             <a:fld id="{3C04E684-10F4-4CC3-A0B9-F03AA7BE37CF}" type="datetimeFigureOut">
               <a:rPr lang="en-US" smtClean="0"/>
-              <a:t>6/16/2022</a:t>
+              <a:t>6/18/2022</a:t>
             </a:fld>
             <a:endParaRPr lang="en-US"/>
           </a:p>
@@ -8687,7 +8692,7 @@
           <a:p>
             <a:fld id="{3C04E684-10F4-4CC3-A0B9-F03AA7BE37CF}" type="datetimeFigureOut">
               <a:rPr lang="en-US" smtClean="0"/>
-              <a:t>6/16/2022</a:t>
+              <a:t>6/18/2022</a:t>
             </a:fld>
             <a:endParaRPr lang="en-US"/>
           </a:p>
@@ -8800,7 +8805,7 @@
           <a:p>
             <a:fld id="{3C04E684-10F4-4CC3-A0B9-F03AA7BE37CF}" type="datetimeFigureOut">
               <a:rPr lang="en-US" smtClean="0"/>
-              <a:t>6/16/2022</a:t>
+              <a:t>6/18/2022</a:t>
             </a:fld>
             <a:endParaRPr lang="en-US"/>
           </a:p>
@@ -9307,7 +9312,7 @@
           <a:p>
             <a:fld id="{3C04E684-10F4-4CC3-A0B9-F03AA7BE37CF}" type="datetimeFigureOut">
               <a:rPr lang="en-US" smtClean="0"/>
-              <a:t>6/16/2022</a:t>
+              <a:t>6/18/2022</a:t>
             </a:fld>
             <a:endParaRPr lang="en-US"/>
           </a:p>
@@ -9495,7 +9500,7 @@
           <a:p>
             <a:fld id="{4BE1D723-8F53-4F53-90B0-1982A396982E}" type="datetime1">
               <a:rPr lang="en-US" smtClean="0"/>
-              <a:t>6/16/2022</a:t>
+              <a:t>6/18/2022</a:t>
             </a:fld>
             <a:endParaRPr lang="en-US" dirty="0"/>
           </a:p>
@@ -10798,7 +10803,7 @@
           <a:p>
             <a:fld id="{3C04E684-10F4-4CC3-A0B9-F03AA7BE37CF}" type="datetimeFigureOut">
               <a:rPr lang="en-US" smtClean="0"/>
-              <a:t>6/16/2022</a:t>
+              <a:t>6/18/2022</a:t>
             </a:fld>
             <a:endParaRPr lang="en-US"/>
           </a:p>
@@ -13292,7 +13297,7 @@
           <a:p>
             <a:fld id="{3C04E684-10F4-4CC3-A0B9-F03AA7BE37CF}" type="datetimeFigureOut">
               <a:rPr lang="en-US" smtClean="0"/>
-              <a:t>6/16/2022</a:t>
+              <a:t>6/18/2022</a:t>
             </a:fld>
             <a:endParaRPr lang="en-US"/>
           </a:p>
@@ -13490,7 +13495,7 @@
           <a:p>
             <a:fld id="{3C04E684-10F4-4CC3-A0B9-F03AA7BE37CF}" type="datetimeFigureOut">
               <a:rPr lang="en-US" smtClean="0"/>
-              <a:t>6/16/2022</a:t>
+              <a:t>6/18/2022</a:t>
             </a:fld>
             <a:endParaRPr lang="en-US"/>
           </a:p>
@@ -13698,7 +13703,7 @@
           <a:p>
             <a:fld id="{3C04E684-10F4-4CC3-A0B9-F03AA7BE37CF}" type="datetimeFigureOut">
               <a:rPr lang="en-US" smtClean="0"/>
-              <a:t>6/16/2022</a:t>
+              <a:t>6/18/2022</a:t>
             </a:fld>
             <a:endParaRPr lang="en-US"/>
           </a:p>
@@ -14071,7 +14076,7 @@
           <a:p>
             <a:fld id="{97669AF7-7BEB-44E4-9852-375E34362B5B}" type="datetime1">
               <a:rPr lang="en-US" smtClean="0"/>
-              <a:t>6/16/2022</a:t>
+              <a:t>6/18/2022</a:t>
             </a:fld>
             <a:endParaRPr lang="en-US" dirty="0"/>
           </a:p>
@@ -14326,7 +14331,7 @@
           <a:p>
             <a:fld id="{BAAAC38D-0552-4C82-B593-E6124DFADBE2}" type="datetime1">
               <a:rPr lang="en-US" smtClean="0"/>
-              <a:t>6/16/2022</a:t>
+              <a:t>6/18/2022</a:t>
             </a:fld>
             <a:endParaRPr lang="en-US" dirty="0"/>
           </a:p>
@@ -14723,7 +14728,7 @@
           <a:p>
             <a:fld id="{D9DF0F1C-5577-4ACB-BB62-DF8F3C494C7E}" type="datetime1">
               <a:rPr lang="en-US" smtClean="0"/>
-              <a:t>6/16/2022</a:t>
+              <a:t>6/18/2022</a:t>
             </a:fld>
             <a:endParaRPr lang="en-US" dirty="0"/>
           </a:p>
@@ -14859,7 +14864,7 @@
           <a:p>
             <a:fld id="{1775B394-D9F9-4F0C-B15D-605F45CB9E9F}" type="datetime1">
               <a:rPr lang="en-US" smtClean="0"/>
-              <a:t>6/16/2022</a:t>
+              <a:t>6/18/2022</a:t>
             </a:fld>
             <a:endParaRPr lang="en-US" dirty="0"/>
           </a:p>
@@ -15016,7 +15021,7 @@
           <a:p>
             <a:fld id="{39667345-2558-425A-8533-9BFDBCE15005}" type="datetime1">
               <a:rPr lang="en-US" smtClean="0"/>
-              <a:t>6/16/2022</a:t>
+              <a:t>6/18/2022</a:t>
             </a:fld>
             <a:endParaRPr lang="en-US" dirty="0"/>
           </a:p>
@@ -15345,7 +15350,7 @@
           <a:p>
             <a:fld id="{92BEA474-078D-4E9B-9B14-09A87B19DC46}" type="datetime1">
               <a:rPr lang="en-US" smtClean="0"/>
-              <a:t>6/16/2022</a:t>
+              <a:t>6/18/2022</a:t>
             </a:fld>
             <a:endParaRPr lang="en-US" dirty="0"/>
           </a:p>
@@ -15695,7 +15700,7 @@
           <a:p>
             <a:fld id="{4907D986-8816-4272-A432-0437A28A9828}" type="datetime1">
               <a:rPr lang="en-US" smtClean="0"/>
-              <a:t>6/16/2022</a:t>
+              <a:t>6/18/2022</a:t>
             </a:fld>
             <a:endParaRPr lang="en-US" dirty="0"/>
           </a:p>
@@ -15956,7 +15961,7 @@
           <a:p>
             <a:fld id="{62D6E202-B606-4609-B914-27C9371A1F6D}" type="datetime1">
               <a:rPr lang="en-US" smtClean="0"/>
-              <a:t>6/16/2022</a:t>
+              <a:t>6/18/2022</a:t>
             </a:fld>
             <a:endParaRPr lang="en-US" dirty="0"/>
           </a:p>
@@ -16632,7 +16637,7 @@
           <a:p>
             <a:fld id="{3C04E684-10F4-4CC3-A0B9-F03AA7BE37CF}" type="datetimeFigureOut">
               <a:rPr lang="en-US" smtClean="0"/>
-              <a:t>6/16/2022</a:t>
+              <a:t>6/18/2022</a:t>
             </a:fld>
             <a:endParaRPr lang="en-US"/>
           </a:p>
@@ -18150,7 +18155,7 @@
           <a:bodyPr/>
           <a:lstStyle/>
           <a:p>
-            <a:endParaRPr lang="de-DE"/>
+            <a:endParaRPr lang="de-DE" dirty="0"/>
           </a:p>
         </p:txBody>
       </p:sp>

--- a/4_Praesentation/DV-Projekt.pptx
+++ b/4_Praesentation/DV-Projekt.pptx
@@ -9,10 +9,13 @@
     <p:sldId id="256" r:id="rId3"/>
     <p:sldId id="257" r:id="rId4"/>
     <p:sldId id="258" r:id="rId5"/>
-    <p:sldId id="259" r:id="rId6"/>
+    <p:sldId id="265" r:id="rId6"/>
     <p:sldId id="260" r:id="rId7"/>
     <p:sldId id="261" r:id="rId8"/>
-    <p:sldId id="262" r:id="rId9"/>
+    <p:sldId id="259" r:id="rId9"/>
+    <p:sldId id="262" r:id="rId10"/>
+    <p:sldId id="264" r:id="rId11"/>
+    <p:sldId id="263" r:id="rId12"/>
   </p:sldIdLst>
   <p:sldSz cx="12192000" cy="6858000"/>
   <p:notesSz cx="6858000" cy="9144000"/>
@@ -363,7 +366,7 @@
           <a:p>
             <a:fld id="{9184DA70-C731-4C70-880D-CCD4705E623C}" type="datetime1">
               <a:rPr lang="en-US" smtClean="0"/>
-              <a:t>6/18/2022</a:t>
+              <a:t>6/25/2022</a:t>
             </a:fld>
             <a:endParaRPr lang="en-US" dirty="0"/>
           </a:p>
@@ -551,7 +554,7 @@
           <a:p>
             <a:fld id="{B612A279-0833-481D-8C56-F67FD0AC6C50}" type="datetime1">
               <a:rPr lang="en-US" smtClean="0"/>
-              <a:t>6/18/2022</a:t>
+              <a:t>6/25/2022</a:t>
             </a:fld>
             <a:endParaRPr lang="en-US" dirty="0"/>
           </a:p>
@@ -793,7 +796,7 @@
           <a:p>
             <a:fld id="{6587DA83-5663-4C9C-B9AA-0B40A3DAFF81}" type="datetime1">
               <a:rPr lang="en-US" smtClean="0"/>
-              <a:t>6/18/2022</a:t>
+              <a:t>6/25/2022</a:t>
             </a:fld>
             <a:endParaRPr lang="en-US" dirty="0"/>
           </a:p>
@@ -3213,7 +3216,7 @@
           <a:p>
             <a:fld id="{3C04E684-10F4-4CC3-A0B9-F03AA7BE37CF}" type="datetimeFigureOut">
               <a:rPr lang="en-US" smtClean="0"/>
-              <a:t>6/18/2022</a:t>
+              <a:t>6/25/2022</a:t>
             </a:fld>
             <a:endParaRPr lang="en-US"/>
           </a:p>
@@ -3950,7 +3953,7 @@
           <a:p>
             <a:fld id="{3C04E684-10F4-4CC3-A0B9-F03AA7BE37CF}" type="datetimeFigureOut">
               <a:rPr lang="en-US" smtClean="0"/>
-              <a:t>6/18/2022</a:t>
+              <a:t>6/25/2022</a:t>
             </a:fld>
             <a:endParaRPr lang="en-US"/>
           </a:p>
@@ -4592,7 +4595,7 @@
           <a:p>
             <a:fld id="{3C04E684-10F4-4CC3-A0B9-F03AA7BE37CF}" type="datetimeFigureOut">
               <a:rPr lang="en-US" smtClean="0"/>
-              <a:t>6/18/2022</a:t>
+              <a:t>6/25/2022</a:t>
             </a:fld>
             <a:endParaRPr lang="en-US"/>
           </a:p>
@@ -5392,7 +5395,7 @@
           <a:p>
             <a:fld id="{3C04E684-10F4-4CC3-A0B9-F03AA7BE37CF}" type="datetimeFigureOut">
               <a:rPr lang="en-US" smtClean="0"/>
-              <a:t>6/18/2022</a:t>
+              <a:t>6/25/2022</a:t>
             </a:fld>
             <a:endParaRPr lang="en-US"/>
           </a:p>
@@ -6343,7 +6346,7 @@
           <a:p>
             <a:fld id="{3C04E684-10F4-4CC3-A0B9-F03AA7BE37CF}" type="datetimeFigureOut">
               <a:rPr lang="en-US" smtClean="0"/>
-              <a:t>6/18/2022</a:t>
+              <a:t>6/25/2022</a:t>
             </a:fld>
             <a:endParaRPr lang="en-US"/>
           </a:p>
@@ -8692,7 +8695,7 @@
           <a:p>
             <a:fld id="{3C04E684-10F4-4CC3-A0B9-F03AA7BE37CF}" type="datetimeFigureOut">
               <a:rPr lang="en-US" smtClean="0"/>
-              <a:t>6/18/2022</a:t>
+              <a:t>6/25/2022</a:t>
             </a:fld>
             <a:endParaRPr lang="en-US"/>
           </a:p>
@@ -8805,7 +8808,7 @@
           <a:p>
             <a:fld id="{3C04E684-10F4-4CC3-A0B9-F03AA7BE37CF}" type="datetimeFigureOut">
               <a:rPr lang="en-US" smtClean="0"/>
-              <a:t>6/18/2022</a:t>
+              <a:t>6/25/2022</a:t>
             </a:fld>
             <a:endParaRPr lang="en-US"/>
           </a:p>
@@ -9312,7 +9315,7 @@
           <a:p>
             <a:fld id="{3C04E684-10F4-4CC3-A0B9-F03AA7BE37CF}" type="datetimeFigureOut">
               <a:rPr lang="en-US" smtClean="0"/>
-              <a:t>6/18/2022</a:t>
+              <a:t>6/25/2022</a:t>
             </a:fld>
             <a:endParaRPr lang="en-US"/>
           </a:p>
@@ -9500,7 +9503,7 @@
           <a:p>
             <a:fld id="{4BE1D723-8F53-4F53-90B0-1982A396982E}" type="datetime1">
               <a:rPr lang="en-US" smtClean="0"/>
-              <a:t>6/18/2022</a:t>
+              <a:t>6/25/2022</a:t>
             </a:fld>
             <a:endParaRPr lang="en-US" dirty="0"/>
           </a:p>
@@ -10803,7 +10806,7 @@
           <a:p>
             <a:fld id="{3C04E684-10F4-4CC3-A0B9-F03AA7BE37CF}" type="datetimeFigureOut">
               <a:rPr lang="en-US" smtClean="0"/>
-              <a:t>6/18/2022</a:t>
+              <a:t>6/25/2022</a:t>
             </a:fld>
             <a:endParaRPr lang="en-US"/>
           </a:p>
@@ -13297,7 +13300,7 @@
           <a:p>
             <a:fld id="{3C04E684-10F4-4CC3-A0B9-F03AA7BE37CF}" type="datetimeFigureOut">
               <a:rPr lang="en-US" smtClean="0"/>
-              <a:t>6/18/2022</a:t>
+              <a:t>6/25/2022</a:t>
             </a:fld>
             <a:endParaRPr lang="en-US"/>
           </a:p>
@@ -13495,7 +13498,7 @@
           <a:p>
             <a:fld id="{3C04E684-10F4-4CC3-A0B9-F03AA7BE37CF}" type="datetimeFigureOut">
               <a:rPr lang="en-US" smtClean="0"/>
-              <a:t>6/18/2022</a:t>
+              <a:t>6/25/2022</a:t>
             </a:fld>
             <a:endParaRPr lang="en-US"/>
           </a:p>
@@ -13703,7 +13706,7 @@
           <a:p>
             <a:fld id="{3C04E684-10F4-4CC3-A0B9-F03AA7BE37CF}" type="datetimeFigureOut">
               <a:rPr lang="en-US" smtClean="0"/>
-              <a:t>6/18/2022</a:t>
+              <a:t>6/25/2022</a:t>
             </a:fld>
             <a:endParaRPr lang="en-US"/>
           </a:p>
@@ -14076,7 +14079,7 @@
           <a:p>
             <a:fld id="{97669AF7-7BEB-44E4-9852-375E34362B5B}" type="datetime1">
               <a:rPr lang="en-US" smtClean="0"/>
-              <a:t>6/18/2022</a:t>
+              <a:t>6/25/2022</a:t>
             </a:fld>
             <a:endParaRPr lang="en-US" dirty="0"/>
           </a:p>
@@ -14331,7 +14334,7 @@
           <a:p>
             <a:fld id="{BAAAC38D-0552-4C82-B593-E6124DFADBE2}" type="datetime1">
               <a:rPr lang="en-US" smtClean="0"/>
-              <a:t>6/18/2022</a:t>
+              <a:t>6/25/2022</a:t>
             </a:fld>
             <a:endParaRPr lang="en-US" dirty="0"/>
           </a:p>
@@ -14728,7 +14731,7 @@
           <a:p>
             <a:fld id="{D9DF0F1C-5577-4ACB-BB62-DF8F3C494C7E}" type="datetime1">
               <a:rPr lang="en-US" smtClean="0"/>
-              <a:t>6/18/2022</a:t>
+              <a:t>6/25/2022</a:t>
             </a:fld>
             <a:endParaRPr lang="en-US" dirty="0"/>
           </a:p>
@@ -14864,7 +14867,7 @@
           <a:p>
             <a:fld id="{1775B394-D9F9-4F0C-B15D-605F45CB9E9F}" type="datetime1">
               <a:rPr lang="en-US" smtClean="0"/>
-              <a:t>6/18/2022</a:t>
+              <a:t>6/25/2022</a:t>
             </a:fld>
             <a:endParaRPr lang="en-US" dirty="0"/>
           </a:p>
@@ -15021,7 +15024,7 @@
           <a:p>
             <a:fld id="{39667345-2558-425A-8533-9BFDBCE15005}" type="datetime1">
               <a:rPr lang="en-US" smtClean="0"/>
-              <a:t>6/18/2022</a:t>
+              <a:t>6/25/2022</a:t>
             </a:fld>
             <a:endParaRPr lang="en-US" dirty="0"/>
           </a:p>
@@ -15350,7 +15353,7 @@
           <a:p>
             <a:fld id="{92BEA474-078D-4E9B-9B14-09A87B19DC46}" type="datetime1">
               <a:rPr lang="en-US" smtClean="0"/>
-              <a:t>6/18/2022</a:t>
+              <a:t>6/25/2022</a:t>
             </a:fld>
             <a:endParaRPr lang="en-US" dirty="0"/>
           </a:p>
@@ -15700,7 +15703,7 @@
           <a:p>
             <a:fld id="{4907D986-8816-4272-A432-0437A28A9828}" type="datetime1">
               <a:rPr lang="en-US" smtClean="0"/>
-              <a:t>6/18/2022</a:t>
+              <a:t>6/25/2022</a:t>
             </a:fld>
             <a:endParaRPr lang="en-US" dirty="0"/>
           </a:p>
@@ -15961,7 +15964,7 @@
           <a:p>
             <a:fld id="{62D6E202-B606-4609-B914-27C9371A1F6D}" type="datetime1">
               <a:rPr lang="en-US" smtClean="0"/>
-              <a:t>6/18/2022</a:t>
+              <a:t>6/25/2022</a:t>
             </a:fld>
             <a:endParaRPr lang="en-US" dirty="0"/>
           </a:p>
@@ -16637,7 +16640,7 @@
           <a:p>
             <a:fld id="{3C04E684-10F4-4CC3-A0B9-F03AA7BE37CF}" type="datetimeFigureOut">
               <a:rPr lang="en-US" smtClean="0"/>
-              <a:t>6/18/2022</a:t>
+              <a:t>6/25/2022</a:t>
             </a:fld>
             <a:endParaRPr lang="en-US"/>
           </a:p>
@@ -17485,10 +17488,10 @@
       </p:cxnSp>
       <p:pic>
         <p:nvPicPr>
-          <p:cNvPr id="16" name="Picture 3" descr="Lila gemusterte Lichter">
+          <p:cNvPr id="5" name="Grafik 4" descr="Ein Bild, das Stadt enthält.&#10;&#10;Automatisch generierte Beschreibung">
             <a:extLst>
               <a:ext uri="{FF2B5EF4-FFF2-40B4-BE49-F238E27FC236}">
-                <a16:creationId xmlns:a16="http://schemas.microsoft.com/office/drawing/2014/main" id="{7B810F24-E78D-B9ED-78C8-9FFD6B4F6FE2}"/>
+                <a16:creationId xmlns:a16="http://schemas.microsoft.com/office/drawing/2014/main" id="{1CDA7963-53DB-4C09-AB8C-983EDB09378B}"/>
               </a:ext>
             </a:extLst>
           </p:cNvPr>
@@ -17498,14 +17501,20 @@
           <p:nvPr/>
         </p:nvPicPr>
         <p:blipFill rotWithShape="1">
-          <a:blip r:embed="rId2"/>
-          <a:srcRect l="13224" r="13223" b="-1"/>
+          <a:blip r:embed="rId2">
+            <a:extLst>
+              <a:ext uri="{28A0092B-C50C-407E-A947-70E740481C1C}">
+                <a14:useLocalDpi xmlns:a14="http://schemas.microsoft.com/office/drawing/2010/main" val="0"/>
+              </a:ext>
+            </a:extLst>
+          </a:blip>
+          <a:srcRect r="26557"/>
           <a:stretch/>
         </p:blipFill>
         <p:spPr>
           <a:xfrm>
-            <a:off x="4635095" y="10"/>
-            <a:ext cx="7556889" cy="6857990"/>
+            <a:off x="4635094" y="0"/>
+            <a:ext cx="7556906" cy="6858000"/>
           </a:xfrm>
           <a:prstGeom prst="rect">
             <a:avLst/>
@@ -17728,6 +17737,171 @@
 </p:sld>
 </file>
 
+<file path=ppt/slides/slide10.xml><?xml version="1.0" encoding="utf-8"?>
+<p:sld xmlns:a="http://schemas.openxmlformats.org/drawingml/2006/main" xmlns:r="http://schemas.openxmlformats.org/officeDocument/2006/relationships" xmlns:p="http://schemas.openxmlformats.org/presentationml/2006/main">
+  <p:cSld>
+    <p:spTree>
+      <p:nvGrpSpPr>
+        <p:cNvPr id="1" name=""/>
+        <p:cNvGrpSpPr/>
+        <p:nvPr/>
+      </p:nvGrpSpPr>
+      <p:grpSpPr>
+        <a:xfrm>
+          <a:off x="0" y="0"/>
+          <a:ext cx="0" cy="0"/>
+          <a:chOff x="0" y="0"/>
+          <a:chExt cx="0" cy="0"/>
+        </a:xfrm>
+      </p:grpSpPr>
+      <p:sp>
+        <p:nvSpPr>
+          <p:cNvPr id="2" name="Titel 1">
+            <a:extLst>
+              <a:ext uri="{FF2B5EF4-FFF2-40B4-BE49-F238E27FC236}">
+                <a16:creationId xmlns:a16="http://schemas.microsoft.com/office/drawing/2014/main" id="{28C5E531-7B7A-47F6-B158-1A840BF74A6D}"/>
+              </a:ext>
+            </a:extLst>
+          </p:cNvPr>
+          <p:cNvSpPr>
+            <a:spLocks noGrp="1"/>
+          </p:cNvSpPr>
+          <p:nvPr>
+            <p:ph type="title"/>
+          </p:nvPr>
+        </p:nvSpPr>
+        <p:spPr/>
+        <p:txBody>
+          <a:bodyPr/>
+          <a:lstStyle/>
+          <a:p>
+            <a:r>
+              <a:rPr lang="de-DE" dirty="0"/>
+              <a:t>Handbuch </a:t>
+            </a:r>
+            <a:r>
+              <a:rPr lang="de-DE" dirty="0" err="1"/>
+              <a:t>infos</a:t>
+            </a:r>
+            <a:endParaRPr lang="de-DE" dirty="0"/>
+          </a:p>
+        </p:txBody>
+      </p:sp>
+      <p:sp>
+        <p:nvSpPr>
+          <p:cNvPr id="3" name="Inhaltsplatzhalter 2">
+            <a:extLst>
+              <a:ext uri="{FF2B5EF4-FFF2-40B4-BE49-F238E27FC236}">
+                <a16:creationId xmlns:a16="http://schemas.microsoft.com/office/drawing/2014/main" id="{DB5C35C1-FA6A-46CC-819E-C56BDC311260}"/>
+              </a:ext>
+            </a:extLst>
+          </p:cNvPr>
+          <p:cNvSpPr>
+            <a:spLocks noGrp="1"/>
+          </p:cNvSpPr>
+          <p:nvPr>
+            <p:ph idx="1"/>
+          </p:nvPr>
+        </p:nvSpPr>
+        <p:spPr/>
+        <p:txBody>
+          <a:bodyPr>
+            <a:normAutofit fontScale="92500" lnSpcReduction="20000"/>
+          </a:bodyPr>
+          <a:lstStyle/>
+          <a:p>
+            <a:r>
+              <a:rPr lang="de-DE" dirty="0"/>
+              <a:t>Emails von </a:t>
+            </a:r>
+            <a:r>
+              <a:rPr lang="de-DE" dirty="0" err="1"/>
+              <a:t>projektskizze</a:t>
+            </a:r>
+            <a:r>
+              <a:rPr lang="de-DE" dirty="0"/>
+              <a:t> rausnehmen</a:t>
+            </a:r>
+          </a:p>
+          <a:p>
+            <a:r>
+              <a:rPr lang="de-DE" dirty="0"/>
+              <a:t>Ass zählt nur 11</a:t>
+            </a:r>
+          </a:p>
+          <a:p>
+            <a:r>
+              <a:rPr lang="de-DE" dirty="0"/>
+              <a:t>Gibt nur 2 Spieler (Host; Client)</a:t>
+            </a:r>
+          </a:p>
+          <a:p>
+            <a:r>
+              <a:rPr lang="de-DE" dirty="0"/>
+              <a:t>Max 3 weitere karten kann man verlangen</a:t>
+            </a:r>
+          </a:p>
+          <a:p>
+            <a:r>
+              <a:rPr lang="de-DE" dirty="0"/>
+              <a:t>Wenn 1 Spieler keine mehr möchte dann wird runde zu ende gemacht und karten ausgewertet</a:t>
+            </a:r>
+          </a:p>
+          <a:p>
+            <a:r>
+              <a:rPr lang="de-DE" dirty="0"/>
+              <a:t>Wenn 1 Spieler sofort </a:t>
+            </a:r>
+            <a:r>
+              <a:rPr lang="de-DE" dirty="0" err="1"/>
+              <a:t>blackjack</a:t>
+            </a:r>
+            <a:r>
+              <a:rPr lang="de-DE" dirty="0"/>
+              <a:t> hat wird runde zu ende gemacht und karten ausgewertet</a:t>
+            </a:r>
+          </a:p>
+          <a:p>
+            <a:r>
+              <a:rPr lang="de-DE" dirty="0"/>
+              <a:t>Splitten geht nicht</a:t>
+            </a:r>
+          </a:p>
+          <a:p>
+            <a:r>
+              <a:rPr lang="de-DE" dirty="0"/>
+              <a:t>Noch </a:t>
+            </a:r>
+            <a:r>
+              <a:rPr lang="de-DE" dirty="0" err="1"/>
+              <a:t>bilder</a:t>
+            </a:r>
+            <a:r>
+              <a:rPr lang="de-DE" dirty="0"/>
+              <a:t> dazu</a:t>
+            </a:r>
+          </a:p>
+          <a:p>
+            <a:endParaRPr lang="de-DE" dirty="0"/>
+          </a:p>
+          <a:p>
+            <a:endParaRPr lang="de-DE" dirty="0"/>
+          </a:p>
+        </p:txBody>
+      </p:sp>
+    </p:spTree>
+    <p:extLst>
+      <p:ext uri="{BB962C8B-B14F-4D97-AF65-F5344CB8AC3E}">
+        <p14:creationId xmlns:p14="http://schemas.microsoft.com/office/powerpoint/2010/main" val="2974054586"/>
+      </p:ext>
+    </p:extLst>
+  </p:cSld>
+  <p:clrMapOvr>
+    <a:masterClrMapping/>
+  </p:clrMapOvr>
+</p:sld>
+</file>
+
 <file path=ppt/slides/slide2.xml><?xml version="1.0" encoding="utf-8"?>
 <p:sld xmlns:a="http://schemas.openxmlformats.org/drawingml/2006/main" xmlns:r="http://schemas.openxmlformats.org/officeDocument/2006/relationships" xmlns:p="http://schemas.openxmlformats.org/presentationml/2006/main">
   <p:cSld>
@@ -17937,19 +18111,25 @@
           <a:p>
             <a:r>
               <a:rPr lang="de-DE" dirty="0"/>
-              <a:t>Spielablauf</a:t>
+              <a:t>UML-Diagramm</a:t>
             </a:r>
           </a:p>
           <a:p>
             <a:r>
               <a:rPr lang="de-DE" dirty="0"/>
-              <a:t>Kommunikation &amp; Klassen</a:t>
+              <a:t>Grafische Programmierung</a:t>
             </a:r>
           </a:p>
           <a:p>
             <a:r>
               <a:rPr lang="de-DE" dirty="0"/>
-              <a:t>Anwendung &amp; Methoden</a:t>
+              <a:t>Spielablauf Programmierung</a:t>
+            </a:r>
+          </a:p>
+          <a:p>
+            <a:r>
+              <a:rPr lang="de-DE" dirty="0"/>
+              <a:t>Spielablauf</a:t>
             </a:r>
           </a:p>
           <a:p>
@@ -18071,7 +18251,121 @@
           <a:bodyPr/>
           <a:lstStyle/>
           <a:p>
-            <a:endParaRPr lang="de-DE"/>
+            <a:pPr>
+              <a:buFont typeface="Wingdings" panose="05000000000000000000" pitchFamily="2" charset="2"/>
+              <a:buChar char="Ø"/>
+            </a:pPr>
+            <a:r>
+              <a:rPr lang="de-DE" b="0" i="0" dirty="0">
+                <a:solidFill>
+                  <a:srgbClr val="000000"/>
+                </a:solidFill>
+                <a:effectLst/>
+                <a:latin typeface="Times New Roman" panose="02020603050405020304" pitchFamily="18" charset="0"/>
+              </a:rPr>
+              <a:t> </a:t>
+            </a:r>
+            <a:r>
+              <a:rPr lang="de-DE" b="0" i="0" dirty="0" err="1">
+                <a:solidFill>
+                  <a:srgbClr val="000000"/>
+                </a:solidFill>
+                <a:effectLst/>
+                <a:latin typeface="Times New Roman" panose="02020603050405020304" pitchFamily="18" charset="0"/>
+              </a:rPr>
+              <a:t>BlackJack</a:t>
+            </a:r>
+            <a:r>
+              <a:rPr lang="de-DE" b="0" i="0" dirty="0">
+                <a:solidFill>
+                  <a:srgbClr val="000000"/>
+                </a:solidFill>
+                <a:effectLst/>
+                <a:latin typeface="Times New Roman" panose="02020603050405020304" pitchFamily="18" charset="0"/>
+              </a:rPr>
+              <a:t> ist ein sehr einfaches und beliebtes Kasinospiel. </a:t>
+            </a:r>
+          </a:p>
+          <a:p>
+            <a:pPr>
+              <a:buFont typeface="Wingdings" panose="05000000000000000000" pitchFamily="2" charset="2"/>
+              <a:buChar char="Ø"/>
+            </a:pPr>
+            <a:r>
+              <a:rPr lang="de-DE" b="0" i="0" dirty="0">
+                <a:solidFill>
+                  <a:srgbClr val="000000"/>
+                </a:solidFill>
+                <a:effectLst/>
+                <a:latin typeface="Times New Roman" panose="02020603050405020304" pitchFamily="18" charset="0"/>
+              </a:rPr>
+              <a:t> Die Regeln sind sehr simpel: </a:t>
+            </a:r>
+          </a:p>
+          <a:p>
+            <a:pPr lvl="1">
+              <a:buFont typeface="Wingdings" panose="05000000000000000000" pitchFamily="2" charset="2"/>
+              <a:buChar char="Ø"/>
+            </a:pPr>
+            <a:r>
+              <a:rPr lang="de-DE" b="0" i="0" dirty="0">
+                <a:solidFill>
+                  <a:srgbClr val="000000"/>
+                </a:solidFill>
+                <a:effectLst/>
+                <a:latin typeface="Times New Roman" panose="02020603050405020304" pitchFamily="18" charset="0"/>
+              </a:rPr>
+              <a:t> Ein oder mehrere Spieler spielen, gegen den </a:t>
+            </a:r>
+          </a:p>
+          <a:p>
+            <a:pPr lvl="1">
+              <a:buFont typeface="Wingdings" panose="05000000000000000000" pitchFamily="2" charset="2"/>
+              <a:buChar char="Ø"/>
+            </a:pPr>
+            <a:r>
+              <a:rPr lang="de-DE" b="0" i="0" dirty="0">
+                <a:solidFill>
+                  <a:srgbClr val="000000"/>
+                </a:solidFill>
+                <a:effectLst/>
+                <a:latin typeface="Times New Roman" panose="02020603050405020304" pitchFamily="18" charset="0"/>
+              </a:rPr>
+              <a:t> Dabei dürfen beide Parteien den Wert von 21 überschreiten, da sie ansonsten verloren haben</a:t>
+            </a:r>
+          </a:p>
+          <a:p>
+            <a:pPr lvl="1">
+              <a:buFont typeface="Wingdings" panose="05000000000000000000" pitchFamily="2" charset="2"/>
+              <a:buChar char="Ø"/>
+            </a:pPr>
+            <a:r>
+              <a:rPr lang="de-DE" b="0" i="0" dirty="0">
+                <a:solidFill>
+                  <a:srgbClr val="000000"/>
+                </a:solidFill>
+                <a:effectLst/>
+                <a:latin typeface="Times New Roman" panose="02020603050405020304" pitchFamily="18" charset="0"/>
+              </a:rPr>
+              <a:t> Hat eine der Parteien exakt 21, hat diese ein Black-Jack und gewinnt sofort</a:t>
+            </a:r>
+          </a:p>
+          <a:p>
+            <a:pPr lvl="1">
+              <a:buFont typeface="Wingdings" panose="05000000000000000000" pitchFamily="2" charset="2"/>
+              <a:buChar char="Ø"/>
+            </a:pPr>
+            <a:r>
+              <a:rPr lang="de-DE" b="0" i="0" dirty="0">
+                <a:solidFill>
+                  <a:srgbClr val="000000"/>
+                </a:solidFill>
+                <a:effectLst/>
+                <a:latin typeface="Times New Roman" panose="02020603050405020304" pitchFamily="18" charset="0"/>
+              </a:rPr>
+              <a:t> Wenn beide Parteien unter 21 sind gewinnt diejenige, die am nächsten an der 21 dran ist.</a:t>
+            </a:r>
+            <a:endParaRPr lang="de-DE" dirty="0"/>
           </a:p>
         </p:txBody>
       </p:sp>
@@ -18110,7 +18404,7 @@
           <p:cNvPr id="2" name="Titel 1">
             <a:extLst>
               <a:ext uri="{FF2B5EF4-FFF2-40B4-BE49-F238E27FC236}">
-                <a16:creationId xmlns:a16="http://schemas.microsoft.com/office/drawing/2014/main" id="{F361D0F9-0A3D-47C7-8B30-70682B1564AB}"/>
+                <a16:creationId xmlns:a16="http://schemas.microsoft.com/office/drawing/2014/main" id="{9DBB67A0-96CB-463B-A3B9-0C48AC5D5089}"/>
               </a:ext>
             </a:extLst>
           </p:cNvPr>
@@ -18127,34 +18421,60 @@
           <a:lstStyle/>
           <a:p>
             <a:r>
-              <a:rPr lang="de-DE" sz="4400" dirty="0"/>
-              <a:t>Spielablauf</a:t>
+              <a:rPr lang="de-DE" dirty="0"/>
+              <a:t>UML-Diagramm</a:t>
             </a:r>
-            <a:endParaRPr lang="de-DE" dirty="0"/>
           </a:p>
         </p:txBody>
       </p:sp>
       <p:sp>
         <p:nvSpPr>
-          <p:cNvPr id="3" name="Inhaltsplatzhalter 2">
+          <p:cNvPr id="4" name="Rechteck 3">
             <a:extLst>
               <a:ext uri="{FF2B5EF4-FFF2-40B4-BE49-F238E27FC236}">
-                <a16:creationId xmlns:a16="http://schemas.microsoft.com/office/drawing/2014/main" id="{1B1621A5-CAB9-40DB-996E-1D15466670D0}"/>
+                <a16:creationId xmlns:a16="http://schemas.microsoft.com/office/drawing/2014/main" id="{2596E863-4FE8-43A3-B918-CBBBB67F330D}"/>
               </a:ext>
             </a:extLst>
           </p:cNvPr>
-          <p:cNvSpPr>
-            <a:spLocks noGrp="1"/>
-          </p:cNvSpPr>
-          <p:nvPr>
-            <p:ph idx="1"/>
-          </p:nvPr>
+          <p:cNvSpPr/>
+          <p:nvPr/>
         </p:nvSpPr>
-        <p:spPr/>
+        <p:spPr>
+          <a:xfrm>
+            <a:off x="1302326" y="2004291"/>
+            <a:ext cx="9853353" cy="914400"/>
+          </a:xfrm>
+          <a:prstGeom prst="rect">
+            <a:avLst/>
+          </a:prstGeom>
+        </p:spPr>
+        <p:style>
+          <a:lnRef idx="2">
+            <a:schemeClr val="accent1">
+              <a:shade val="50000"/>
+            </a:schemeClr>
+          </a:lnRef>
+          <a:fillRef idx="1">
+            <a:schemeClr val="accent1"/>
+          </a:fillRef>
+          <a:effectRef idx="0">
+            <a:schemeClr val="accent1"/>
+          </a:effectRef>
+          <a:fontRef idx="minor">
+            <a:schemeClr val="lt1"/>
+          </a:fontRef>
+        </p:style>
         <p:txBody>
-          <a:bodyPr/>
+          <a:bodyPr rtlCol="0" anchor="ctr"/>
           <a:lstStyle/>
           <a:p>
+            <a:pPr algn="ctr"/>
+            <a:r>
+              <a:rPr lang="de-DE" dirty="0">
+                <a:hlinkClick r:id="rId2"/>
+              </a:rPr>
+              <a:t>Projektskizze</a:t>
+            </a:r>
             <a:endParaRPr lang="de-DE" dirty="0"/>
           </a:p>
         </p:txBody>
@@ -18162,7 +18482,7 @@
     </p:spTree>
     <p:extLst>
       <p:ext uri="{BB962C8B-B14F-4D97-AF65-F5344CB8AC3E}">
-        <p14:creationId xmlns:p14="http://schemas.microsoft.com/office/powerpoint/2010/main" val="2611043153"/>
+        <p14:creationId xmlns:p14="http://schemas.microsoft.com/office/powerpoint/2010/main" val="2811177209"/>
       </p:ext>
     </p:extLst>
   </p:cSld>
@@ -18214,7 +18534,7 @@
           <a:p>
             <a:r>
               <a:rPr lang="de-DE" sz="4400" dirty="0"/>
-              <a:t>Kommunikation &amp; Klassen</a:t>
+              <a:t>Grafische Programmierung</a:t>
             </a:r>
           </a:p>
         </p:txBody>
@@ -18299,7 +18619,7 @@
           <a:p>
             <a:r>
               <a:rPr lang="de-DE" sz="4400" dirty="0"/>
-              <a:t>Anwendung &amp; Methoden</a:t>
+              <a:t>Spielablauf Programmierung</a:t>
             </a:r>
           </a:p>
         </p:txBody>
@@ -18364,6 +18684,97 @@
           <p:cNvPr id="2" name="Titel 1">
             <a:extLst>
               <a:ext uri="{FF2B5EF4-FFF2-40B4-BE49-F238E27FC236}">
+                <a16:creationId xmlns:a16="http://schemas.microsoft.com/office/drawing/2014/main" id="{F361D0F9-0A3D-47C7-8B30-70682B1564AB}"/>
+              </a:ext>
+            </a:extLst>
+          </p:cNvPr>
+          <p:cNvSpPr>
+            <a:spLocks noGrp="1"/>
+          </p:cNvSpPr>
+          <p:nvPr>
+            <p:ph type="title"/>
+          </p:nvPr>
+        </p:nvSpPr>
+        <p:spPr/>
+        <p:txBody>
+          <a:bodyPr/>
+          <a:lstStyle/>
+          <a:p>
+            <a:r>
+              <a:rPr lang="de-DE" sz="4400" dirty="0"/>
+              <a:t>Spielablauf</a:t>
+            </a:r>
+            <a:endParaRPr lang="de-DE" dirty="0"/>
+          </a:p>
+        </p:txBody>
+      </p:sp>
+      <p:sp>
+        <p:nvSpPr>
+          <p:cNvPr id="3" name="Inhaltsplatzhalter 2">
+            <a:extLst>
+              <a:ext uri="{FF2B5EF4-FFF2-40B4-BE49-F238E27FC236}">
+                <a16:creationId xmlns:a16="http://schemas.microsoft.com/office/drawing/2014/main" id="{1B1621A5-CAB9-40DB-996E-1D15466670D0}"/>
+              </a:ext>
+            </a:extLst>
+          </p:cNvPr>
+          <p:cNvSpPr>
+            <a:spLocks noGrp="1"/>
+          </p:cNvSpPr>
+          <p:nvPr>
+            <p:ph idx="1"/>
+          </p:nvPr>
+        </p:nvSpPr>
+        <p:spPr/>
+        <p:txBody>
+          <a:bodyPr/>
+          <a:lstStyle/>
+          <a:p>
+            <a:pPr>
+              <a:buFont typeface="Wingdings" panose="05000000000000000000" pitchFamily="2" charset="2"/>
+              <a:buChar char="Ø"/>
+            </a:pPr>
+            <a:r>
+              <a:rPr lang="de-DE" dirty="0"/>
+              <a:t> Vorstellung des Programms</a:t>
+            </a:r>
+          </a:p>
+        </p:txBody>
+      </p:sp>
+    </p:spTree>
+    <p:extLst>
+      <p:ext uri="{BB962C8B-B14F-4D97-AF65-F5344CB8AC3E}">
+        <p14:creationId xmlns:p14="http://schemas.microsoft.com/office/powerpoint/2010/main" val="2611043153"/>
+      </p:ext>
+    </p:extLst>
+  </p:cSld>
+  <p:clrMapOvr>
+    <a:masterClrMapping/>
+  </p:clrMapOvr>
+</p:sld>
+</file>
+
+<file path=ppt/slides/slide8.xml><?xml version="1.0" encoding="utf-8"?>
+<p:sld xmlns:a="http://schemas.openxmlformats.org/drawingml/2006/main" xmlns:r="http://schemas.openxmlformats.org/officeDocument/2006/relationships" xmlns:p="http://schemas.openxmlformats.org/presentationml/2006/main">
+  <p:cSld>
+    <p:spTree>
+      <p:nvGrpSpPr>
+        <p:cNvPr id="1" name=""/>
+        <p:cNvGrpSpPr/>
+        <p:nvPr/>
+      </p:nvGrpSpPr>
+      <p:grpSpPr>
+        <a:xfrm>
+          <a:off x="0" y="0"/>
+          <a:ext cx="0" cy="0"/>
+          <a:chOff x="0" y="0"/>
+          <a:chExt cx="0" cy="0"/>
+        </a:xfrm>
+      </p:grpSpPr>
+      <p:sp>
+        <p:nvSpPr>
+          <p:cNvPr id="2" name="Titel 1">
+            <a:extLst>
+              <a:ext uri="{FF2B5EF4-FFF2-40B4-BE49-F238E27FC236}">
                 <a16:creationId xmlns:a16="http://schemas.microsoft.com/office/drawing/2014/main" id="{D265573F-FFD1-47C4-A53C-18008B4CF07D}"/>
               </a:ext>
             </a:extLst>
@@ -18411,7 +18822,19 @@
           <a:p>
             <a:r>
               <a:rPr lang="de-DE" dirty="0"/>
-              <a:t>- https://play-lh.googleusercontent.com/009hpXoLRxULWBEF8VsHnNTjFrOQVFKfkQfIxZcDGWtVSZEU5mKtSJyy3Zv3pxVcZQ=w240-h480-rw</a:t>
+              <a:t>Woher haben wir das ganze?</a:t>
+            </a:r>
+          </a:p>
+          <a:p>
+            <a:endParaRPr lang="de-DE" dirty="0"/>
+          </a:p>
+          <a:p>
+            <a:endParaRPr lang="de-DE" dirty="0"/>
+          </a:p>
+          <a:p>
+            <a:r>
+              <a:rPr lang="de-DE" dirty="0"/>
+              <a:t>https://play-lh.googleusercontent.com/009hpXoLRxULWBEF8VsHnNTjFrOQVFKfkQfIxZcDGWtVSZEU5mKtSJyy3Zv3pxVcZQ=w240-h480-rw</a:t>
             </a:r>
           </a:p>
         </p:txBody>
@@ -18420,6 +18843,92 @@
     <p:extLst>
       <p:ext uri="{BB962C8B-B14F-4D97-AF65-F5344CB8AC3E}">
         <p14:creationId xmlns:p14="http://schemas.microsoft.com/office/powerpoint/2010/main" val="3262772088"/>
+      </p:ext>
+    </p:extLst>
+  </p:cSld>
+  <p:clrMapOvr>
+    <a:masterClrMapping/>
+  </p:clrMapOvr>
+</p:sld>
+</file>
+
+<file path=ppt/slides/slide9.xml><?xml version="1.0" encoding="utf-8"?>
+<p:sld xmlns:a="http://schemas.openxmlformats.org/drawingml/2006/main" xmlns:r="http://schemas.openxmlformats.org/officeDocument/2006/relationships" xmlns:p="http://schemas.openxmlformats.org/presentationml/2006/main">
+  <p:cSld>
+    <p:spTree>
+      <p:nvGrpSpPr>
+        <p:cNvPr id="1" name=""/>
+        <p:cNvGrpSpPr/>
+        <p:nvPr/>
+      </p:nvGrpSpPr>
+      <p:grpSpPr>
+        <a:xfrm>
+          <a:off x="0" y="0"/>
+          <a:ext cx="0" cy="0"/>
+          <a:chOff x="0" y="0"/>
+          <a:chExt cx="0" cy="0"/>
+        </a:xfrm>
+      </p:grpSpPr>
+      <p:sp>
+        <p:nvSpPr>
+          <p:cNvPr id="2" name="Titel 1">
+            <a:extLst>
+              <a:ext uri="{FF2B5EF4-FFF2-40B4-BE49-F238E27FC236}">
+                <a16:creationId xmlns:a16="http://schemas.microsoft.com/office/drawing/2014/main" id="{B4982E1C-B4D5-4324-9984-15601F28BB37}"/>
+              </a:ext>
+            </a:extLst>
+          </p:cNvPr>
+          <p:cNvSpPr>
+            <a:spLocks noGrp="1"/>
+          </p:cNvSpPr>
+          <p:nvPr>
+            <p:ph type="title"/>
+          </p:nvPr>
+        </p:nvSpPr>
+        <p:spPr/>
+        <p:txBody>
+          <a:bodyPr/>
+          <a:lstStyle/>
+          <a:p>
+            <a:r>
+              <a:rPr lang="de-DE" dirty="0"/>
+              <a:t>Präsi Info</a:t>
+            </a:r>
+          </a:p>
+        </p:txBody>
+      </p:sp>
+      <p:sp>
+        <p:nvSpPr>
+          <p:cNvPr id="3" name="Inhaltsplatzhalter 2">
+            <a:extLst>
+              <a:ext uri="{FF2B5EF4-FFF2-40B4-BE49-F238E27FC236}">
+                <a16:creationId xmlns:a16="http://schemas.microsoft.com/office/drawing/2014/main" id="{829C15F7-1415-4E92-8307-CB0B286D7191}"/>
+              </a:ext>
+            </a:extLst>
+          </p:cNvPr>
+          <p:cNvSpPr>
+            <a:spLocks noGrp="1"/>
+          </p:cNvSpPr>
+          <p:nvPr>
+            <p:ph idx="1"/>
+          </p:nvPr>
+        </p:nvSpPr>
+        <p:spPr/>
+        <p:txBody>
+          <a:bodyPr/>
+          <a:lstStyle/>
+          <a:p>
+            <a:r>
+              <a:rPr lang="de-DE" dirty="0"/>
+              <a:t>Titelbild ändern</a:t>
+            </a:r>
+          </a:p>
+        </p:txBody>
+      </p:sp>
+    </p:spTree>
+    <p:extLst>
+      <p:ext uri="{BB962C8B-B14F-4D97-AF65-F5344CB8AC3E}">
+        <p14:creationId xmlns:p14="http://schemas.microsoft.com/office/powerpoint/2010/main" val="62784430"/>
       </p:ext>
     </p:extLst>
   </p:cSld>

--- a/4_Praesentation/DV-Projekt.pptx
+++ b/4_Praesentation/DV-Projekt.pptx
@@ -366,7 +366,7 @@
           <a:p>
             <a:fld id="{9184DA70-C731-4C70-880D-CCD4705E623C}" type="datetime1">
               <a:rPr lang="en-US" smtClean="0"/>
-              <a:t>6/25/2022</a:t>
+              <a:t>6/26/2022</a:t>
             </a:fld>
             <a:endParaRPr lang="en-US" dirty="0"/>
           </a:p>
@@ -554,7 +554,7 @@
           <a:p>
             <a:fld id="{B612A279-0833-481D-8C56-F67FD0AC6C50}" type="datetime1">
               <a:rPr lang="en-US" smtClean="0"/>
-              <a:t>6/25/2022</a:t>
+              <a:t>6/26/2022</a:t>
             </a:fld>
             <a:endParaRPr lang="en-US" dirty="0"/>
           </a:p>
@@ -796,7 +796,7 @@
           <a:p>
             <a:fld id="{6587DA83-5663-4C9C-B9AA-0B40A3DAFF81}" type="datetime1">
               <a:rPr lang="en-US" smtClean="0"/>
-              <a:t>6/25/2022</a:t>
+              <a:t>6/26/2022</a:t>
             </a:fld>
             <a:endParaRPr lang="en-US" dirty="0"/>
           </a:p>
@@ -3216,7 +3216,7 @@
           <a:p>
             <a:fld id="{3C04E684-10F4-4CC3-A0B9-F03AA7BE37CF}" type="datetimeFigureOut">
               <a:rPr lang="en-US" smtClean="0"/>
-              <a:t>6/25/2022</a:t>
+              <a:t>6/26/2022</a:t>
             </a:fld>
             <a:endParaRPr lang="en-US"/>
           </a:p>
@@ -3953,7 +3953,7 @@
           <a:p>
             <a:fld id="{3C04E684-10F4-4CC3-A0B9-F03AA7BE37CF}" type="datetimeFigureOut">
               <a:rPr lang="en-US" smtClean="0"/>
-              <a:t>6/25/2022</a:t>
+              <a:t>6/26/2022</a:t>
             </a:fld>
             <a:endParaRPr lang="en-US"/>
           </a:p>
@@ -4595,7 +4595,7 @@
           <a:p>
             <a:fld id="{3C04E684-10F4-4CC3-A0B9-F03AA7BE37CF}" type="datetimeFigureOut">
               <a:rPr lang="en-US" smtClean="0"/>
-              <a:t>6/25/2022</a:t>
+              <a:t>6/26/2022</a:t>
             </a:fld>
             <a:endParaRPr lang="en-US"/>
           </a:p>
@@ -5395,7 +5395,7 @@
           <a:p>
             <a:fld id="{3C04E684-10F4-4CC3-A0B9-F03AA7BE37CF}" type="datetimeFigureOut">
               <a:rPr lang="en-US" smtClean="0"/>
-              <a:t>6/25/2022</a:t>
+              <a:t>6/26/2022</a:t>
             </a:fld>
             <a:endParaRPr lang="en-US"/>
           </a:p>
@@ -6346,7 +6346,7 @@
           <a:p>
             <a:fld id="{3C04E684-10F4-4CC3-A0B9-F03AA7BE37CF}" type="datetimeFigureOut">
               <a:rPr lang="en-US" smtClean="0"/>
-              <a:t>6/25/2022</a:t>
+              <a:t>6/26/2022</a:t>
             </a:fld>
             <a:endParaRPr lang="en-US"/>
           </a:p>
@@ -8695,7 +8695,7 @@
           <a:p>
             <a:fld id="{3C04E684-10F4-4CC3-A0B9-F03AA7BE37CF}" type="datetimeFigureOut">
               <a:rPr lang="en-US" smtClean="0"/>
-              <a:t>6/25/2022</a:t>
+              <a:t>6/26/2022</a:t>
             </a:fld>
             <a:endParaRPr lang="en-US"/>
           </a:p>
@@ -8808,7 +8808,7 @@
           <a:p>
             <a:fld id="{3C04E684-10F4-4CC3-A0B9-F03AA7BE37CF}" type="datetimeFigureOut">
               <a:rPr lang="en-US" smtClean="0"/>
-              <a:t>6/25/2022</a:t>
+              <a:t>6/26/2022</a:t>
             </a:fld>
             <a:endParaRPr lang="en-US"/>
           </a:p>
@@ -9315,7 +9315,7 @@
           <a:p>
             <a:fld id="{3C04E684-10F4-4CC3-A0B9-F03AA7BE37CF}" type="datetimeFigureOut">
               <a:rPr lang="en-US" smtClean="0"/>
-              <a:t>6/25/2022</a:t>
+              <a:t>6/26/2022</a:t>
             </a:fld>
             <a:endParaRPr lang="en-US"/>
           </a:p>
@@ -9503,7 +9503,7 @@
           <a:p>
             <a:fld id="{4BE1D723-8F53-4F53-90B0-1982A396982E}" type="datetime1">
               <a:rPr lang="en-US" smtClean="0"/>
-              <a:t>6/25/2022</a:t>
+              <a:t>6/26/2022</a:t>
             </a:fld>
             <a:endParaRPr lang="en-US" dirty="0"/>
           </a:p>
@@ -10806,7 +10806,7 @@
           <a:p>
             <a:fld id="{3C04E684-10F4-4CC3-A0B9-F03AA7BE37CF}" type="datetimeFigureOut">
               <a:rPr lang="en-US" smtClean="0"/>
-              <a:t>6/25/2022</a:t>
+              <a:t>6/26/2022</a:t>
             </a:fld>
             <a:endParaRPr lang="en-US"/>
           </a:p>
@@ -13300,7 +13300,7 @@
           <a:p>
             <a:fld id="{3C04E684-10F4-4CC3-A0B9-F03AA7BE37CF}" type="datetimeFigureOut">
               <a:rPr lang="en-US" smtClean="0"/>
-              <a:t>6/25/2022</a:t>
+              <a:t>6/26/2022</a:t>
             </a:fld>
             <a:endParaRPr lang="en-US"/>
           </a:p>
@@ -13498,7 +13498,7 @@
           <a:p>
             <a:fld id="{3C04E684-10F4-4CC3-A0B9-F03AA7BE37CF}" type="datetimeFigureOut">
               <a:rPr lang="en-US" smtClean="0"/>
-              <a:t>6/25/2022</a:t>
+              <a:t>6/26/2022</a:t>
             </a:fld>
             <a:endParaRPr lang="en-US"/>
           </a:p>
@@ -13706,7 +13706,7 @@
           <a:p>
             <a:fld id="{3C04E684-10F4-4CC3-A0B9-F03AA7BE37CF}" type="datetimeFigureOut">
               <a:rPr lang="en-US" smtClean="0"/>
-              <a:t>6/25/2022</a:t>
+              <a:t>6/26/2022</a:t>
             </a:fld>
             <a:endParaRPr lang="en-US"/>
           </a:p>
@@ -14079,7 +14079,7 @@
           <a:p>
             <a:fld id="{97669AF7-7BEB-44E4-9852-375E34362B5B}" type="datetime1">
               <a:rPr lang="en-US" smtClean="0"/>
-              <a:t>6/25/2022</a:t>
+              <a:t>6/26/2022</a:t>
             </a:fld>
             <a:endParaRPr lang="en-US" dirty="0"/>
           </a:p>
@@ -14334,7 +14334,7 @@
           <a:p>
             <a:fld id="{BAAAC38D-0552-4C82-B593-E6124DFADBE2}" type="datetime1">
               <a:rPr lang="en-US" smtClean="0"/>
-              <a:t>6/25/2022</a:t>
+              <a:t>6/26/2022</a:t>
             </a:fld>
             <a:endParaRPr lang="en-US" dirty="0"/>
           </a:p>
@@ -14731,7 +14731,7 @@
           <a:p>
             <a:fld id="{D9DF0F1C-5577-4ACB-BB62-DF8F3C494C7E}" type="datetime1">
               <a:rPr lang="en-US" smtClean="0"/>
-              <a:t>6/25/2022</a:t>
+              <a:t>6/26/2022</a:t>
             </a:fld>
             <a:endParaRPr lang="en-US" dirty="0"/>
           </a:p>
@@ -14867,7 +14867,7 @@
           <a:p>
             <a:fld id="{1775B394-D9F9-4F0C-B15D-605F45CB9E9F}" type="datetime1">
               <a:rPr lang="en-US" smtClean="0"/>
-              <a:t>6/25/2022</a:t>
+              <a:t>6/26/2022</a:t>
             </a:fld>
             <a:endParaRPr lang="en-US" dirty="0"/>
           </a:p>
@@ -15024,7 +15024,7 @@
           <a:p>
             <a:fld id="{39667345-2558-425A-8533-9BFDBCE15005}" type="datetime1">
               <a:rPr lang="en-US" smtClean="0"/>
-              <a:t>6/25/2022</a:t>
+              <a:t>6/26/2022</a:t>
             </a:fld>
             <a:endParaRPr lang="en-US" dirty="0"/>
           </a:p>
@@ -15353,7 +15353,7 @@
           <a:p>
             <a:fld id="{92BEA474-078D-4E9B-9B14-09A87B19DC46}" type="datetime1">
               <a:rPr lang="en-US" smtClean="0"/>
-              <a:t>6/25/2022</a:t>
+              <a:t>6/26/2022</a:t>
             </a:fld>
             <a:endParaRPr lang="en-US" dirty="0"/>
           </a:p>
@@ -15703,7 +15703,7 @@
           <a:p>
             <a:fld id="{4907D986-8816-4272-A432-0437A28A9828}" type="datetime1">
               <a:rPr lang="en-US" smtClean="0"/>
-              <a:t>6/25/2022</a:t>
+              <a:t>6/26/2022</a:t>
             </a:fld>
             <a:endParaRPr lang="en-US" dirty="0"/>
           </a:p>
@@ -15964,7 +15964,7 @@
           <a:p>
             <a:fld id="{62D6E202-B606-4609-B914-27C9371A1F6D}" type="datetime1">
               <a:rPr lang="en-US" smtClean="0"/>
-              <a:t>6/25/2022</a:t>
+              <a:t>6/26/2022</a:t>
             </a:fld>
             <a:endParaRPr lang="en-US" dirty="0"/>
           </a:p>
@@ -16640,7 +16640,7 @@
           <a:p>
             <a:fld id="{3C04E684-10F4-4CC3-A0B9-F03AA7BE37CF}" type="datetimeFigureOut">
               <a:rPr lang="en-US" smtClean="0"/>
-              <a:t>6/25/2022</a:t>
+              <a:t>6/26/2022</a:t>
             </a:fld>
             <a:endParaRPr lang="en-US"/>
           </a:p>
@@ -17811,73 +17811,73 @@
           <a:lstStyle/>
           <a:p>
             <a:r>
-              <a:rPr lang="de-DE" dirty="0"/>
+              <a:rPr lang="de-DE" strike="sngStrike" dirty="0"/>
               <a:t>Emails von </a:t>
             </a:r>
             <a:r>
-              <a:rPr lang="de-DE" dirty="0" err="1"/>
+              <a:rPr lang="de-DE" strike="sngStrike" dirty="0" err="1"/>
               <a:t>projektskizze</a:t>
             </a:r>
             <a:r>
-              <a:rPr lang="de-DE" dirty="0"/>
+              <a:rPr lang="de-DE" strike="sngStrike" dirty="0"/>
               <a:t> rausnehmen</a:t>
             </a:r>
           </a:p>
           <a:p>
             <a:r>
-              <a:rPr lang="de-DE" dirty="0"/>
+              <a:rPr lang="de-DE" strike="sngStrike" dirty="0"/>
               <a:t>Ass zählt nur 11</a:t>
             </a:r>
           </a:p>
           <a:p>
             <a:r>
-              <a:rPr lang="de-DE" dirty="0"/>
+              <a:rPr lang="de-DE" strike="sngStrike" dirty="0"/>
               <a:t>Gibt nur 2 Spieler (Host; Client)</a:t>
             </a:r>
           </a:p>
           <a:p>
             <a:r>
-              <a:rPr lang="de-DE" dirty="0"/>
+              <a:rPr lang="de-DE" strike="sngStrike" dirty="0"/>
               <a:t>Max 3 weitere karten kann man verlangen</a:t>
             </a:r>
           </a:p>
           <a:p>
             <a:r>
-              <a:rPr lang="de-DE" dirty="0"/>
+              <a:rPr lang="de-DE" strike="sngStrike" dirty="0"/>
               <a:t>Wenn 1 Spieler keine mehr möchte dann wird runde zu ende gemacht und karten ausgewertet</a:t>
             </a:r>
           </a:p>
           <a:p>
             <a:r>
-              <a:rPr lang="de-DE" dirty="0"/>
+              <a:rPr lang="de-DE" strike="sngStrike" dirty="0"/>
               <a:t>Wenn 1 Spieler sofort </a:t>
             </a:r>
             <a:r>
-              <a:rPr lang="de-DE" dirty="0" err="1"/>
+              <a:rPr lang="de-DE" strike="sngStrike" dirty="0" err="1"/>
               <a:t>blackjack</a:t>
             </a:r>
             <a:r>
-              <a:rPr lang="de-DE" dirty="0"/>
+              <a:rPr lang="de-DE" strike="sngStrike" dirty="0"/>
               <a:t> hat wird runde zu ende gemacht und karten ausgewertet</a:t>
             </a:r>
           </a:p>
           <a:p>
             <a:r>
-              <a:rPr lang="de-DE" dirty="0"/>
+              <a:rPr lang="de-DE" strike="sngStrike" dirty="0"/>
               <a:t>Splitten geht nicht</a:t>
             </a:r>
           </a:p>
           <a:p>
             <a:r>
-              <a:rPr lang="de-DE" dirty="0"/>
+              <a:rPr lang="de-DE" strike="sngStrike" dirty="0"/>
               <a:t>Noch </a:t>
             </a:r>
             <a:r>
-              <a:rPr lang="de-DE" dirty="0" err="1"/>
+              <a:rPr lang="de-DE" strike="sngStrike" dirty="0" err="1"/>
               <a:t>bilder</a:t>
             </a:r>
             <a:r>
-              <a:rPr lang="de-DE" dirty="0"/>
+              <a:rPr lang="de-DE" strike="sngStrike" dirty="0"/>
               <a:t> dazu</a:t>
             </a:r>
           </a:p>
@@ -18560,7 +18560,58 @@
           <a:bodyPr/>
           <a:lstStyle/>
           <a:p>
-            <a:endParaRPr lang="de-DE"/>
+            <a:pPr marL="0" indent="0">
+              <a:buNone/>
+            </a:pPr>
+            <a:r>
+              <a:rPr lang="de-DE" dirty="0"/>
+              <a:t>Verwendung von: </a:t>
+            </a:r>
+          </a:p>
+          <a:p>
+            <a:pPr>
+              <a:buFont typeface="Wingdings" panose="05000000000000000000" pitchFamily="2" charset="2"/>
+              <a:buChar char="Ø"/>
+            </a:pPr>
+            <a:r>
+              <a:rPr lang="de-DE" dirty="0"/>
+              <a:t>Label</a:t>
+            </a:r>
+          </a:p>
+          <a:p>
+            <a:pPr>
+              <a:buFont typeface="Wingdings" panose="05000000000000000000" pitchFamily="2" charset="2"/>
+              <a:buChar char="Ø"/>
+            </a:pPr>
+            <a:r>
+              <a:rPr lang="de-DE" dirty="0"/>
+              <a:t> Buttons</a:t>
+            </a:r>
+          </a:p>
+          <a:p>
+            <a:pPr>
+              <a:buFont typeface="Wingdings" panose="05000000000000000000" pitchFamily="2" charset="2"/>
+              <a:buChar char="Ø"/>
+            </a:pPr>
+            <a:r>
+              <a:rPr lang="de-DE" dirty="0"/>
+              <a:t> </a:t>
+            </a:r>
+            <a:r>
+              <a:rPr lang="de-DE" dirty="0" err="1"/>
+              <a:t>Textfield</a:t>
+            </a:r>
+            <a:endParaRPr lang="de-DE" dirty="0"/>
+          </a:p>
+          <a:p>
+            <a:pPr>
+              <a:buFont typeface="Wingdings" panose="05000000000000000000" pitchFamily="2" charset="2"/>
+              <a:buChar char="Ø"/>
+            </a:pPr>
+            <a:r>
+              <a:rPr lang="de-DE" dirty="0"/>
+              <a:t> Icons</a:t>
+            </a:r>
           </a:p>
         </p:txBody>
       </p:sp>
@@ -18919,7 +18970,7 @@
           <a:lstStyle/>
           <a:p>
             <a:r>
-              <a:rPr lang="de-DE" dirty="0"/>
+              <a:rPr lang="de-DE" strike="sngStrike" dirty="0"/>
               <a:t>Titelbild ändern</a:t>
             </a:r>
           </a:p>

--- a/4_Praesentation/DV-Projekt.pptx
+++ b/4_Praesentation/DV-Projekt.pptx
@@ -14,8 +14,7 @@
     <p:sldId id="261" r:id="rId8"/>
     <p:sldId id="259" r:id="rId9"/>
     <p:sldId id="262" r:id="rId10"/>
-    <p:sldId id="264" r:id="rId11"/>
-    <p:sldId id="263" r:id="rId12"/>
+    <p:sldId id="266" r:id="rId11"/>
   </p:sldIdLst>
   <p:sldSz cx="12192000" cy="6858000"/>
   <p:notesSz cx="6858000" cy="9144000"/>
@@ -17737,171 +17736,6 @@
 </p:sld>
 </file>
 
-<file path=ppt/slides/slide10.xml><?xml version="1.0" encoding="utf-8"?>
-<p:sld xmlns:a="http://schemas.openxmlformats.org/drawingml/2006/main" xmlns:r="http://schemas.openxmlformats.org/officeDocument/2006/relationships" xmlns:p="http://schemas.openxmlformats.org/presentationml/2006/main">
-  <p:cSld>
-    <p:spTree>
-      <p:nvGrpSpPr>
-        <p:cNvPr id="1" name=""/>
-        <p:cNvGrpSpPr/>
-        <p:nvPr/>
-      </p:nvGrpSpPr>
-      <p:grpSpPr>
-        <a:xfrm>
-          <a:off x="0" y="0"/>
-          <a:ext cx="0" cy="0"/>
-          <a:chOff x="0" y="0"/>
-          <a:chExt cx="0" cy="0"/>
-        </a:xfrm>
-      </p:grpSpPr>
-      <p:sp>
-        <p:nvSpPr>
-          <p:cNvPr id="2" name="Titel 1">
-            <a:extLst>
-              <a:ext uri="{FF2B5EF4-FFF2-40B4-BE49-F238E27FC236}">
-                <a16:creationId xmlns:a16="http://schemas.microsoft.com/office/drawing/2014/main" id="{28C5E531-7B7A-47F6-B158-1A840BF74A6D}"/>
-              </a:ext>
-            </a:extLst>
-          </p:cNvPr>
-          <p:cNvSpPr>
-            <a:spLocks noGrp="1"/>
-          </p:cNvSpPr>
-          <p:nvPr>
-            <p:ph type="title"/>
-          </p:nvPr>
-        </p:nvSpPr>
-        <p:spPr/>
-        <p:txBody>
-          <a:bodyPr/>
-          <a:lstStyle/>
-          <a:p>
-            <a:r>
-              <a:rPr lang="de-DE" dirty="0"/>
-              <a:t>Handbuch </a:t>
-            </a:r>
-            <a:r>
-              <a:rPr lang="de-DE" dirty="0" err="1"/>
-              <a:t>infos</a:t>
-            </a:r>
-            <a:endParaRPr lang="de-DE" dirty="0"/>
-          </a:p>
-        </p:txBody>
-      </p:sp>
-      <p:sp>
-        <p:nvSpPr>
-          <p:cNvPr id="3" name="Inhaltsplatzhalter 2">
-            <a:extLst>
-              <a:ext uri="{FF2B5EF4-FFF2-40B4-BE49-F238E27FC236}">
-                <a16:creationId xmlns:a16="http://schemas.microsoft.com/office/drawing/2014/main" id="{DB5C35C1-FA6A-46CC-819E-C56BDC311260}"/>
-              </a:ext>
-            </a:extLst>
-          </p:cNvPr>
-          <p:cNvSpPr>
-            <a:spLocks noGrp="1"/>
-          </p:cNvSpPr>
-          <p:nvPr>
-            <p:ph idx="1"/>
-          </p:nvPr>
-        </p:nvSpPr>
-        <p:spPr/>
-        <p:txBody>
-          <a:bodyPr>
-            <a:normAutofit fontScale="92500" lnSpcReduction="20000"/>
-          </a:bodyPr>
-          <a:lstStyle/>
-          <a:p>
-            <a:r>
-              <a:rPr lang="de-DE" strike="sngStrike" dirty="0"/>
-              <a:t>Emails von </a:t>
-            </a:r>
-            <a:r>
-              <a:rPr lang="de-DE" strike="sngStrike" dirty="0" err="1"/>
-              <a:t>projektskizze</a:t>
-            </a:r>
-            <a:r>
-              <a:rPr lang="de-DE" strike="sngStrike" dirty="0"/>
-              <a:t> rausnehmen</a:t>
-            </a:r>
-          </a:p>
-          <a:p>
-            <a:r>
-              <a:rPr lang="de-DE" strike="sngStrike" dirty="0"/>
-              <a:t>Ass zählt nur 11</a:t>
-            </a:r>
-          </a:p>
-          <a:p>
-            <a:r>
-              <a:rPr lang="de-DE" strike="sngStrike" dirty="0"/>
-              <a:t>Gibt nur 2 Spieler (Host; Client)</a:t>
-            </a:r>
-          </a:p>
-          <a:p>
-            <a:r>
-              <a:rPr lang="de-DE" strike="sngStrike" dirty="0"/>
-              <a:t>Max 3 weitere karten kann man verlangen</a:t>
-            </a:r>
-          </a:p>
-          <a:p>
-            <a:r>
-              <a:rPr lang="de-DE" strike="sngStrike" dirty="0"/>
-              <a:t>Wenn 1 Spieler keine mehr möchte dann wird runde zu ende gemacht und karten ausgewertet</a:t>
-            </a:r>
-          </a:p>
-          <a:p>
-            <a:r>
-              <a:rPr lang="de-DE" strike="sngStrike" dirty="0"/>
-              <a:t>Wenn 1 Spieler sofort </a:t>
-            </a:r>
-            <a:r>
-              <a:rPr lang="de-DE" strike="sngStrike" dirty="0" err="1"/>
-              <a:t>blackjack</a:t>
-            </a:r>
-            <a:r>
-              <a:rPr lang="de-DE" strike="sngStrike" dirty="0"/>
-              <a:t> hat wird runde zu ende gemacht und karten ausgewertet</a:t>
-            </a:r>
-          </a:p>
-          <a:p>
-            <a:r>
-              <a:rPr lang="de-DE" strike="sngStrike" dirty="0"/>
-              <a:t>Splitten geht nicht</a:t>
-            </a:r>
-          </a:p>
-          <a:p>
-            <a:r>
-              <a:rPr lang="de-DE" strike="sngStrike" dirty="0"/>
-              <a:t>Noch </a:t>
-            </a:r>
-            <a:r>
-              <a:rPr lang="de-DE" strike="sngStrike" dirty="0" err="1"/>
-              <a:t>bilder</a:t>
-            </a:r>
-            <a:r>
-              <a:rPr lang="de-DE" strike="sngStrike" dirty="0"/>
-              <a:t> dazu</a:t>
-            </a:r>
-          </a:p>
-          <a:p>
-            <a:endParaRPr lang="de-DE" dirty="0"/>
-          </a:p>
-          <a:p>
-            <a:endParaRPr lang="de-DE" dirty="0"/>
-          </a:p>
-        </p:txBody>
-      </p:sp>
-    </p:spTree>
-    <p:extLst>
-      <p:ext uri="{BB962C8B-B14F-4D97-AF65-F5344CB8AC3E}">
-        <p14:creationId xmlns:p14="http://schemas.microsoft.com/office/powerpoint/2010/main" val="2974054586"/>
-      </p:ext>
-    </p:extLst>
-  </p:cSld>
-  <p:clrMapOvr>
-    <a:masterClrMapping/>
-  </p:clrMapOvr>
-</p:sld>
-</file>
-
 <file path=ppt/slides/slide2.xml><?xml version="1.0" encoding="utf-8"?>
 <p:sld xmlns:a="http://schemas.openxmlformats.org/drawingml/2006/main" xmlns:r="http://schemas.openxmlformats.org/officeDocument/2006/relationships" xmlns:p="http://schemas.openxmlformats.org/presentationml/2006/main">
   <p:cSld>
@@ -18263,27 +18097,7 @@
                 <a:effectLst/>
                 <a:latin typeface="Times New Roman" panose="02020603050405020304" pitchFamily="18" charset="0"/>
               </a:rPr>
-              <a:t> </a:t>
-            </a:r>
-            <a:r>
-              <a:rPr lang="de-DE" b="0" i="0" dirty="0" err="1">
-                <a:solidFill>
-                  <a:srgbClr val="000000"/>
-                </a:solidFill>
-                <a:effectLst/>
-                <a:latin typeface="Times New Roman" panose="02020603050405020304" pitchFamily="18" charset="0"/>
-              </a:rPr>
-              <a:t>BlackJack</a:t>
-            </a:r>
-            <a:r>
-              <a:rPr lang="de-DE" b="0" i="0" dirty="0">
-                <a:solidFill>
-                  <a:srgbClr val="000000"/>
-                </a:solidFill>
-                <a:effectLst/>
-                <a:latin typeface="Times New Roman" panose="02020603050405020304" pitchFamily="18" charset="0"/>
-              </a:rPr>
-              <a:t> ist ein sehr einfaches und beliebtes Kasinospiel. </a:t>
+              <a:t> Black-Jack ist ein sehr einfaches und beliebtes Kasinospiel. </a:t>
             </a:r>
           </a:p>
           <a:p>
@@ -18315,7 +18129,26 @@
                 <a:effectLst/>
                 <a:latin typeface="Times New Roman" panose="02020603050405020304" pitchFamily="18" charset="0"/>
               </a:rPr>
-              <a:t> Ein oder mehrere Spieler spielen, gegen den </a:t>
+              <a:t> </a:t>
+            </a:r>
+            <a:r>
+              <a:rPr lang="de-DE" dirty="0">
+                <a:solidFill>
+                  <a:srgbClr val="000000"/>
+                </a:solidFill>
+                <a:latin typeface="Times New Roman" panose="02020603050405020304" pitchFamily="18" charset="0"/>
+              </a:rPr>
+              <a:t>2 </a:t>
+            </a:r>
+            <a:r>
+              <a:rPr lang="de-DE" b="0" i="0" dirty="0">
+                <a:solidFill>
+                  <a:srgbClr val="000000"/>
+                </a:solidFill>
+                <a:effectLst/>
+                <a:latin typeface="Times New Roman" panose="02020603050405020304" pitchFamily="18" charset="0"/>
+              </a:rPr>
+              <a:t>Spieler spielen, unabhängig gegen den Dealer </a:t>
             </a:r>
           </a:p>
           <a:p>
@@ -18331,7 +18164,7 @@
                 <a:effectLst/>
                 <a:latin typeface="Times New Roman" panose="02020603050405020304" pitchFamily="18" charset="0"/>
               </a:rPr>
-              <a:t> Dabei dürfen beide Parteien den Wert von 21 überschreiten, da sie ansonsten verloren haben</a:t>
+              <a:t> Dabei dürfen beide Parteien den Wert von 21 nicht überschreiten, da sie ansonsten verloren haben</a:t>
             </a:r>
           </a:p>
           <a:p>
@@ -18363,7 +18196,26 @@
                 <a:effectLst/>
                 <a:latin typeface="Times New Roman" panose="02020603050405020304" pitchFamily="18" charset="0"/>
               </a:rPr>
-              <a:t> Wenn beide Parteien unter 21 sind gewinnt diejenige, die am nächsten an der 21 dran ist.</a:t>
+              <a:t> </a:t>
+            </a:r>
+            <a:r>
+              <a:rPr lang="de-DE" dirty="0">
+                <a:solidFill>
+                  <a:srgbClr val="000000"/>
+                </a:solidFill>
+                <a:latin typeface="Times New Roman" panose="02020603050405020304" pitchFamily="18" charset="0"/>
+              </a:rPr>
+              <a:t>Zusätzlich gewinnen diejenigen, die </a:t>
+            </a:r>
+            <a:r>
+              <a:rPr lang="de-DE" b="0" i="0" dirty="0">
+                <a:solidFill>
+                  <a:srgbClr val="000000"/>
+                </a:solidFill>
+                <a:effectLst/>
+                <a:latin typeface="Times New Roman" panose="02020603050405020304" pitchFamily="18" charset="0"/>
+              </a:rPr>
+              <a:t>unter 21 sind und über dem Wert des Dealers liegen		             (1 Spieler / beide Spieler / Dealer).</a:t>
             </a:r>
             <a:endParaRPr lang="de-DE" dirty="0"/>
           </a:p>
@@ -18560,58 +18412,66 @@
           <a:bodyPr/>
           <a:lstStyle/>
           <a:p>
-            <a:pPr marL="0" indent="0">
-              <a:buNone/>
-            </a:pPr>
-            <a:r>
-              <a:rPr lang="de-DE" dirty="0"/>
-              <a:t>Verwendung von: </a:t>
-            </a:r>
-          </a:p>
-          <a:p>
             <a:pPr>
               <a:buFont typeface="Wingdings" panose="05000000000000000000" pitchFamily="2" charset="2"/>
               <a:buChar char="Ø"/>
             </a:pPr>
             <a:r>
               <a:rPr lang="de-DE" dirty="0"/>
-              <a:t>Label</a:t>
+              <a:t> wird anhand des UML-Diagramm erklärt</a:t>
             </a:r>
           </a:p>
-          <a:p>
-            <a:pPr>
-              <a:buFont typeface="Wingdings" panose="05000000000000000000" pitchFamily="2" charset="2"/>
-              <a:buChar char="Ø"/>
-            </a:pPr>
+        </p:txBody>
+      </p:sp>
+      <p:sp>
+        <p:nvSpPr>
+          <p:cNvPr id="4" name="Rechteck 3">
+            <a:extLst>
+              <a:ext uri="{FF2B5EF4-FFF2-40B4-BE49-F238E27FC236}">
+                <a16:creationId xmlns:a16="http://schemas.microsoft.com/office/drawing/2014/main" id="{4F4A6E5F-27EF-486F-98C8-988648B10C69}"/>
+              </a:ext>
+            </a:extLst>
+          </p:cNvPr>
+          <p:cNvSpPr/>
+          <p:nvPr/>
+        </p:nvSpPr>
+        <p:spPr>
+          <a:xfrm>
+            <a:off x="1199803" y="2971800"/>
+            <a:ext cx="9853353" cy="914400"/>
+          </a:xfrm>
+          <a:prstGeom prst="rect">
+            <a:avLst/>
+          </a:prstGeom>
+        </p:spPr>
+        <p:style>
+          <a:lnRef idx="2">
+            <a:schemeClr val="accent1">
+              <a:shade val="50000"/>
+            </a:schemeClr>
+          </a:lnRef>
+          <a:fillRef idx="1">
+            <a:schemeClr val="accent1"/>
+          </a:fillRef>
+          <a:effectRef idx="0">
+            <a:schemeClr val="accent1"/>
+          </a:effectRef>
+          <a:fontRef idx="minor">
+            <a:schemeClr val="lt1"/>
+          </a:fontRef>
+        </p:style>
+        <p:txBody>
+          <a:bodyPr rtlCol="0" anchor="ctr"/>
+          <a:lstStyle/>
+          <a:p>
+            <a:pPr algn="ctr"/>
             <a:r>
-              <a:rPr lang="de-DE" dirty="0"/>
-              <a:t> Buttons</a:t>
-            </a:r>
-          </a:p>
-          <a:p>
-            <a:pPr>
-              <a:buFont typeface="Wingdings" panose="05000000000000000000" pitchFamily="2" charset="2"/>
-              <a:buChar char="Ø"/>
-            </a:pPr>
-            <a:r>
-              <a:rPr lang="de-DE" dirty="0"/>
-              <a:t> </a:t>
-            </a:r>
-            <a:r>
-              <a:rPr lang="de-DE" dirty="0" err="1"/>
-              <a:t>Textfield</a:t>
+              <a:rPr lang="de-DE" dirty="0">
+                <a:hlinkClick r:id="rId2"/>
+              </a:rPr>
+              <a:t>Projektskizze</a:t>
             </a:r>
             <a:endParaRPr lang="de-DE" dirty="0"/>
-          </a:p>
-          <a:p>
-            <a:pPr>
-              <a:buFont typeface="Wingdings" panose="05000000000000000000" pitchFamily="2" charset="2"/>
-              <a:buChar char="Ø"/>
-            </a:pPr>
-            <a:r>
-              <a:rPr lang="de-DE" dirty="0"/>
-              <a:t> Icons</a:t>
-            </a:r>
           </a:p>
         </p:txBody>
       </p:sp>
@@ -18696,7 +18556,66 @@
           <a:bodyPr/>
           <a:lstStyle/>
           <a:p>
-            <a:endParaRPr lang="de-DE"/>
+            <a:pPr>
+              <a:buFont typeface="Wingdings" panose="05000000000000000000" pitchFamily="2" charset="2"/>
+              <a:buChar char="Ø"/>
+            </a:pPr>
+            <a:r>
+              <a:rPr lang="de-DE" dirty="0"/>
+              <a:t> wird anhand des UML-Diagramm erklärt</a:t>
+            </a:r>
+          </a:p>
+        </p:txBody>
+      </p:sp>
+      <p:sp>
+        <p:nvSpPr>
+          <p:cNvPr id="4" name="Rechteck 3">
+            <a:extLst>
+              <a:ext uri="{FF2B5EF4-FFF2-40B4-BE49-F238E27FC236}">
+                <a16:creationId xmlns:a16="http://schemas.microsoft.com/office/drawing/2014/main" id="{B0A1053D-4025-4F65-81EF-3C066F19D674}"/>
+              </a:ext>
+            </a:extLst>
+          </p:cNvPr>
+          <p:cNvSpPr/>
+          <p:nvPr/>
+        </p:nvSpPr>
+        <p:spPr>
+          <a:xfrm>
+            <a:off x="1199803" y="2971800"/>
+            <a:ext cx="9853353" cy="914400"/>
+          </a:xfrm>
+          <a:prstGeom prst="rect">
+            <a:avLst/>
+          </a:prstGeom>
+        </p:spPr>
+        <p:style>
+          <a:lnRef idx="2">
+            <a:schemeClr val="accent1">
+              <a:shade val="50000"/>
+            </a:schemeClr>
+          </a:lnRef>
+          <a:fillRef idx="1">
+            <a:schemeClr val="accent1"/>
+          </a:fillRef>
+          <a:effectRef idx="0">
+            <a:schemeClr val="accent1"/>
+          </a:effectRef>
+          <a:fontRef idx="minor">
+            <a:schemeClr val="lt1"/>
+          </a:fontRef>
+        </p:style>
+        <p:txBody>
+          <a:bodyPr rtlCol="0" anchor="ctr"/>
+          <a:lstStyle/>
+          <a:p>
+            <a:pPr algn="ctr"/>
+            <a:r>
+              <a:rPr lang="de-DE" dirty="0">
+                <a:hlinkClick r:id="rId2"/>
+              </a:rPr>
+              <a:t>Projektskizze</a:t>
+            </a:r>
+            <a:endParaRPr lang="de-DE" dirty="0"/>
           </a:p>
         </p:txBody>
       </p:sp>
@@ -18868,24 +18787,53 @@
         </p:nvSpPr>
         <p:spPr/>
         <p:txBody>
-          <a:bodyPr/>
+          <a:bodyPr>
+            <a:normAutofit/>
+          </a:bodyPr>
           <a:lstStyle/>
           <a:p>
             <a:r>
               <a:rPr lang="de-DE" dirty="0"/>
-              <a:t>Woher haben wir das ganze?</a:t>
+              <a:t>Karten: </a:t>
             </a:r>
-          </a:p>
-          <a:p>
+            <a:r>
+              <a:rPr lang="de-DE" dirty="0">
+                <a:hlinkClick r:id="rId2"/>
+              </a:rPr>
+              <a:t>https://chicodeza.com/freeitems/torannpu-illust.html</a:t>
+            </a:r>
             <a:endParaRPr lang="de-DE" dirty="0"/>
           </a:p>
           <a:p>
-            <a:endParaRPr lang="de-DE" dirty="0"/>
-          </a:p>
-          <a:p>
             <a:r>
-              <a:rPr lang="de-DE" dirty="0"/>
-              <a:t>https://play-lh.googleusercontent.com/009hpXoLRxULWBEF8VsHnNTjFrOQVFKfkQfIxZcDGWtVSZEU5mKtSJyy3Zv3pxVcZQ=w240-h480-rw</a:t>
+              <a:rPr lang="en-US" dirty="0"/>
+              <a:t>https://wall.alphacoders.com/by_sub_category.php?id=202380&amp;name=Las+ </a:t>
+            </a:r>
+            <a:r>
+              <a:rPr lang="en-US" dirty="0" err="1"/>
+              <a:t>Vegas+Wallpapers&amp;filter</a:t>
+            </a:r>
+            <a:r>
+              <a:rPr lang="en-US" dirty="0"/>
+              <a:t>=4K+Ultra+HD&amp;lang=German</a:t>
+            </a:r>
+          </a:p>
+          <a:p>
+            <a:r>
+              <a:rPr lang="en-US" dirty="0"/>
+              <a:t>https://www.pngegg.com/en/png-dtvux/download?width=500</a:t>
+            </a:r>
+          </a:p>
+          <a:p>
+            <a:r>
+              <a:rPr lang="en-US" dirty="0"/>
+              <a:t>https://chicodeza.com/freeitems/ torannpu-illust.html</a:t>
+            </a:r>
+          </a:p>
+          <a:p>
+            <a:r>
+              <a:rPr lang="en-US" dirty="0"/>
+              <a:t>https://www.flaticon.com/search? word=casino chip</a:t>
             </a:r>
           </a:p>
         </p:txBody>
@@ -18906,6 +18854,37 @@
 <file path=ppt/slides/slide9.xml><?xml version="1.0" encoding="utf-8"?>
 <p:sld xmlns:a="http://schemas.openxmlformats.org/drawingml/2006/main" xmlns:r="http://schemas.openxmlformats.org/officeDocument/2006/relationships" xmlns:p="http://schemas.openxmlformats.org/presentationml/2006/main">
   <p:cSld>
+    <p:bg>
+      <p:bgPr>
+        <a:gradFill rotWithShape="1">
+          <a:gsLst>
+            <a:gs pos="0">
+              <a:schemeClr val="bg1">
+                <a:tint val="96000"/>
+                <a:shade val="99000"/>
+                <a:satMod val="140000"/>
+              </a:schemeClr>
+            </a:gs>
+            <a:gs pos="65000">
+              <a:schemeClr val="bg1">
+                <a:tint val="100000"/>
+                <a:shade val="80000"/>
+                <a:satMod val="130000"/>
+              </a:schemeClr>
+            </a:gs>
+            <a:gs pos="100000">
+              <a:schemeClr val="bg1">
+                <a:tint val="100000"/>
+                <a:shade val="48000"/>
+                <a:satMod val="120000"/>
+              </a:schemeClr>
+            </a:gs>
+          </a:gsLst>
+          <a:lin ang="16200000" scaled="0"/>
+        </a:gradFill>
+        <a:effectLst/>
+      </p:bgPr>
+    </p:bg>
     <p:spTree>
       <p:nvGrpSpPr>
         <p:cNvPr id="1" name=""/>
@@ -18922,10 +18901,180 @@
       </p:grpSpPr>
       <p:sp>
         <p:nvSpPr>
-          <p:cNvPr id="2" name="Titel 1">
+          <p:cNvPr id="11" name="Rectangle 10">
             <a:extLst>
               <a:ext uri="{FF2B5EF4-FFF2-40B4-BE49-F238E27FC236}">
-                <a16:creationId xmlns:a16="http://schemas.microsoft.com/office/drawing/2014/main" id="{B4982E1C-B4D5-4324-9984-15601F28BB37}"/>
+                <a16:creationId xmlns:a16="http://schemas.microsoft.com/office/drawing/2014/main" id="{39E3965E-AC41-4711-9D10-E25ABB132D86}"/>
+              </a:ext>
+              <a:ext uri="{C183D7F6-B498-43B3-948B-1728B52AA6E4}">
+                <adec:decorative xmlns:adec="http://schemas.microsoft.com/office/drawing/2017/decorative" val="1"/>
+              </a:ext>
+            </a:extLst>
+          </p:cNvPr>
+          <p:cNvSpPr>
+            <a:spLocks noGrp="1" noRot="1" noChangeAspect="1" noMove="1" noResize="1" noEditPoints="1" noAdjustHandles="1" noChangeArrowheads="1" noChangeShapeType="1" noTextEdit="1"/>
+          </p:cNvSpPr>
+          <p:nvPr>
+            <p:extLst>
+              <p:ext uri="{386F3935-93C4-4BCD-93E2-E3B085C9AB24}">
+                <p16:designElem xmlns:p16="http://schemas.microsoft.com/office/powerpoint/2015/main" val="1"/>
+              </p:ext>
+            </p:extLst>
+          </p:nvPr>
+        </p:nvSpPr>
+        <p:spPr>
+          <a:xfrm>
+            <a:off x="3175" y="6400800"/>
+            <a:ext cx="12188825" cy="457200"/>
+          </a:xfrm>
+          <a:prstGeom prst="rect">
+            <a:avLst/>
+          </a:prstGeom>
+          <a:solidFill>
+            <a:srgbClr val="262626"/>
+          </a:solidFill>
+          <a:ln>
+            <a:noFill/>
+          </a:ln>
+        </p:spPr>
+        <p:style>
+          <a:lnRef idx="2">
+            <a:schemeClr val="accent1">
+              <a:shade val="50000"/>
+            </a:schemeClr>
+          </a:lnRef>
+          <a:fillRef idx="1">
+            <a:schemeClr val="accent1"/>
+          </a:fillRef>
+          <a:effectRef idx="0">
+            <a:schemeClr val="accent1"/>
+          </a:effectRef>
+          <a:fontRef idx="minor">
+            <a:schemeClr val="lt1"/>
+          </a:fontRef>
+        </p:style>
+      </p:sp>
+      <p:cxnSp>
+        <p:nvCxnSpPr>
+          <p:cNvPr id="13" name="Straight Connector 12">
+            <a:extLst>
+              <a:ext uri="{FF2B5EF4-FFF2-40B4-BE49-F238E27FC236}">
+                <a16:creationId xmlns:a16="http://schemas.microsoft.com/office/drawing/2014/main" id="{1F5DC8C3-BA5F-4EED-BB9A-A14272BD82A1}"/>
+              </a:ext>
+              <a:ext uri="{C183D7F6-B498-43B3-948B-1728B52AA6E4}">
+                <adec:decorative xmlns:adec="http://schemas.microsoft.com/office/drawing/2017/decorative" val="1"/>
+              </a:ext>
+            </a:extLst>
+          </p:cNvPr>
+          <p:cNvCxnSpPr>
+            <a:cxnSpLocks noGrp="1" noRot="1" noChangeAspect="1" noMove="1" noResize="1" noEditPoints="1" noAdjustHandles="1" noChangeArrowheads="1" noChangeShapeType="1"/>
+          </p:cNvCxnSpPr>
+          <p:nvPr>
+            <p:extLst>
+              <p:ext uri="{386F3935-93C4-4BCD-93E2-E3B085C9AB24}">
+                <p16:designElem xmlns:p16="http://schemas.microsoft.com/office/powerpoint/2015/main" val="1"/>
+              </p:ext>
+            </p:extLst>
+          </p:nvPr>
+        </p:nvCxnSpPr>
+        <p:spPr>
+          <a:xfrm>
+            <a:off x="1207658" y="4474741"/>
+            <a:ext cx="9875520" cy="0"/>
+          </a:xfrm>
+          <a:prstGeom prst="line">
+            <a:avLst/>
+          </a:prstGeom>
+          <a:ln w="12700">
+            <a:solidFill>
+              <a:schemeClr val="tx1">
+                <a:lumMod val="75000"/>
+                <a:lumOff val="25000"/>
+              </a:schemeClr>
+            </a:solidFill>
+          </a:ln>
+        </p:spPr>
+        <p:style>
+          <a:lnRef idx="1">
+            <a:schemeClr val="accent1"/>
+          </a:lnRef>
+          <a:fillRef idx="0">
+            <a:schemeClr val="accent1"/>
+          </a:fillRef>
+          <a:effectRef idx="0">
+            <a:schemeClr val="accent1"/>
+          </a:effectRef>
+          <a:fontRef idx="minor">
+            <a:schemeClr val="tx1"/>
+          </a:fontRef>
+        </p:style>
+      </p:cxnSp>
+      <p:sp useBgFill="1">
+        <p:nvSpPr>
+          <p:cNvPr id="15" name="Rectangle 14">
+            <a:extLst>
+              <a:ext uri="{FF2B5EF4-FFF2-40B4-BE49-F238E27FC236}">
+                <a16:creationId xmlns:a16="http://schemas.microsoft.com/office/drawing/2014/main" id="{8C6E698C-8155-4B8B-BDC9-B7299772B509}"/>
+              </a:ext>
+              <a:ext uri="{C183D7F6-B498-43B3-948B-1728B52AA6E4}">
+                <adec:decorative xmlns:adec="http://schemas.microsoft.com/office/drawing/2017/decorative" val="1"/>
+              </a:ext>
+            </a:extLst>
+          </p:cNvPr>
+          <p:cNvSpPr>
+            <a:spLocks noGrp="1" noRot="1" noChangeAspect="1" noMove="1" noResize="1" noEditPoints="1" noAdjustHandles="1" noChangeArrowheads="1" noChangeShapeType="1" noTextEdit="1"/>
+          </p:cNvSpPr>
+          <p:nvPr>
+            <p:extLst>
+              <p:ext uri="{386F3935-93C4-4BCD-93E2-E3B085C9AB24}">
+                <p16:designElem xmlns:p16="http://schemas.microsoft.com/office/powerpoint/2015/main" val="1"/>
+              </p:ext>
+            </p:extLst>
+          </p:nvPr>
+        </p:nvSpPr>
+        <p:spPr>
+          <a:xfrm>
+            <a:off x="0" y="0"/>
+            <a:ext cx="12188952" cy="6858000"/>
+          </a:xfrm>
+          <a:prstGeom prst="rect">
+            <a:avLst/>
+          </a:prstGeom>
+          <a:ln>
+            <a:noFill/>
+          </a:ln>
+        </p:spPr>
+        <p:style>
+          <a:lnRef idx="2">
+            <a:schemeClr val="accent1">
+              <a:shade val="50000"/>
+            </a:schemeClr>
+          </a:lnRef>
+          <a:fillRef idx="1">
+            <a:schemeClr val="accent1"/>
+          </a:fillRef>
+          <a:effectRef idx="0">
+            <a:schemeClr val="accent1"/>
+          </a:effectRef>
+          <a:fontRef idx="minor">
+            <a:schemeClr val="lt1"/>
+          </a:fontRef>
+        </p:style>
+        <p:txBody>
+          <a:bodyPr rtlCol="0" anchor="ctr"/>
+          <a:lstStyle/>
+          <a:p>
+            <a:pPr algn="ctr"/>
+            <a:endParaRPr lang="en-US"/>
+          </a:p>
+        </p:txBody>
+      </p:sp>
+      <p:sp>
+        <p:nvSpPr>
+          <p:cNvPr id="4" name="Titel 3">
+            <a:extLst>
+              <a:ext uri="{FF2B5EF4-FFF2-40B4-BE49-F238E27FC236}">
+                <a16:creationId xmlns:a16="http://schemas.microsoft.com/office/drawing/2014/main" id="{8B5B185A-49BF-4BFB-A9AE-7D4746278C8E}"/>
               </a:ext>
             </a:extLst>
           </p:cNvPr>
@@ -18936,55 +19085,226 @@
             <p:ph type="title"/>
           </p:nvPr>
         </p:nvSpPr>
-        <p:spPr/>
+        <p:spPr>
+          <a:xfrm>
+            <a:off x="965201" y="643467"/>
+            <a:ext cx="6255026" cy="5054008"/>
+          </a:xfrm>
+        </p:spPr>
         <p:txBody>
-          <a:bodyPr/>
+          <a:bodyPr vert="horz" lIns="91440" tIns="45720" rIns="91440" bIns="45720" rtlCol="0" anchor="ctr">
+            <a:normAutofit/>
+          </a:bodyPr>
           <a:lstStyle/>
           <a:p>
+            <a:pPr algn="r"/>
             <a:r>
-              <a:rPr lang="de-DE" dirty="0"/>
-              <a:t>Präsi Info</a:t>
+              <a:rPr lang="en-US" sz="5400" dirty="0" err="1">
+                <a:solidFill>
+                  <a:schemeClr val="tx1">
+                    <a:lumMod val="85000"/>
+                    <a:lumOff val="15000"/>
+                  </a:schemeClr>
+                </a:solidFill>
+              </a:rPr>
+              <a:t>Danke</a:t>
             </a:r>
+            <a:r>
+              <a:rPr lang="en-US" sz="5400" dirty="0">
+                <a:solidFill>
+                  <a:schemeClr val="tx1">
+                    <a:lumMod val="85000"/>
+                    <a:lumOff val="15000"/>
+                  </a:schemeClr>
+                </a:solidFill>
+              </a:rPr>
+              <a:t> </a:t>
+            </a:r>
+            <a:r>
+              <a:rPr lang="en-US" sz="5400" dirty="0" err="1">
+                <a:solidFill>
+                  <a:schemeClr val="tx1">
+                    <a:lumMod val="85000"/>
+                    <a:lumOff val="15000"/>
+                  </a:schemeClr>
+                </a:solidFill>
+              </a:rPr>
+              <a:t>für</a:t>
+            </a:r>
+            <a:r>
+              <a:rPr lang="en-US" sz="5400" dirty="0">
+                <a:solidFill>
+                  <a:schemeClr val="tx1">
+                    <a:lumMod val="85000"/>
+                    <a:lumOff val="15000"/>
+                  </a:schemeClr>
+                </a:solidFill>
+              </a:rPr>
+              <a:t> </a:t>
+            </a:r>
+            <a:r>
+              <a:rPr lang="en-US" sz="5400" dirty="0" err="1">
+                <a:solidFill>
+                  <a:schemeClr val="tx1">
+                    <a:lumMod val="85000"/>
+                    <a:lumOff val="15000"/>
+                  </a:schemeClr>
+                </a:solidFill>
+              </a:rPr>
+              <a:t>Ihre</a:t>
+            </a:r>
+            <a:r>
+              <a:rPr lang="en-US" sz="5400" dirty="0">
+                <a:solidFill>
+                  <a:schemeClr val="tx1">
+                    <a:lumMod val="85000"/>
+                    <a:lumOff val="15000"/>
+                  </a:schemeClr>
+                </a:solidFill>
+              </a:rPr>
+              <a:t> </a:t>
+            </a:r>
+            <a:r>
+              <a:rPr lang="en-US" sz="5400" dirty="0" err="1">
+                <a:solidFill>
+                  <a:schemeClr val="tx1">
+                    <a:lumMod val="85000"/>
+                    <a:lumOff val="15000"/>
+                  </a:schemeClr>
+                </a:solidFill>
+              </a:rPr>
+              <a:t>Aufmerksamkeit</a:t>
+            </a:r>
+            <a:endParaRPr lang="en-US" sz="5400" dirty="0">
+              <a:solidFill>
+                <a:schemeClr val="tx1">
+                  <a:lumMod val="85000"/>
+                  <a:lumOff val="15000"/>
+                </a:schemeClr>
+              </a:solidFill>
+            </a:endParaRPr>
           </a:p>
         </p:txBody>
       </p:sp>
+      <p:cxnSp>
+        <p:nvCxnSpPr>
+          <p:cNvPr id="17" name="Straight Connector 16">
+            <a:extLst>
+              <a:ext uri="{FF2B5EF4-FFF2-40B4-BE49-F238E27FC236}">
+                <a16:creationId xmlns:a16="http://schemas.microsoft.com/office/drawing/2014/main" id="{09525C9A-1972-4836-BA7A-706C946EF4DA}"/>
+              </a:ext>
+              <a:ext uri="{C183D7F6-B498-43B3-948B-1728B52AA6E4}">
+                <adec:decorative xmlns:adec="http://schemas.microsoft.com/office/drawing/2017/decorative" val="1"/>
+              </a:ext>
+            </a:extLst>
+          </p:cNvPr>
+          <p:cNvCxnSpPr>
+            <a:cxnSpLocks noGrp="1" noRot="1" noChangeAspect="1" noMove="1" noResize="1" noEditPoints="1" noAdjustHandles="1" noChangeArrowheads="1" noChangeShapeType="1"/>
+          </p:cNvCxnSpPr>
+          <p:nvPr>
+            <p:extLst>
+              <p:ext uri="{386F3935-93C4-4BCD-93E2-E3B085C9AB24}">
+                <p16:designElem xmlns:p16="http://schemas.microsoft.com/office/powerpoint/2015/main" val="1"/>
+              </p:ext>
+            </p:extLst>
+          </p:nvPr>
+        </p:nvCxnSpPr>
+        <p:spPr>
+          <a:xfrm>
+            <a:off x="7534656" y="1391367"/>
+            <a:ext cx="0" cy="3558208"/>
+          </a:xfrm>
+          <a:prstGeom prst="line">
+            <a:avLst/>
+          </a:prstGeom>
+          <a:ln>
+            <a:solidFill>
+              <a:schemeClr val="tx1">
+                <a:lumMod val="75000"/>
+                <a:lumOff val="25000"/>
+              </a:schemeClr>
+            </a:solidFill>
+          </a:ln>
+        </p:spPr>
+        <p:style>
+          <a:lnRef idx="1">
+            <a:schemeClr val="accent1"/>
+          </a:lnRef>
+          <a:fillRef idx="0">
+            <a:schemeClr val="accent1"/>
+          </a:fillRef>
+          <a:effectRef idx="0">
+            <a:schemeClr val="accent1"/>
+          </a:effectRef>
+          <a:fontRef idx="minor">
+            <a:schemeClr val="tx1"/>
+          </a:fontRef>
+        </p:style>
+      </p:cxnSp>
       <p:sp>
         <p:nvSpPr>
-          <p:cNvPr id="3" name="Inhaltsplatzhalter 2">
+          <p:cNvPr id="19" name="Rectangle 18">
             <a:extLst>
               <a:ext uri="{FF2B5EF4-FFF2-40B4-BE49-F238E27FC236}">
-                <a16:creationId xmlns:a16="http://schemas.microsoft.com/office/drawing/2014/main" id="{829C15F7-1415-4E92-8307-CB0B286D7191}"/>
+                <a16:creationId xmlns:a16="http://schemas.microsoft.com/office/drawing/2014/main" id="{B624C8D3-B9AD-4F4F-8554-4EAF3724DBCE}"/>
+              </a:ext>
+              <a:ext uri="{C183D7F6-B498-43B3-948B-1728B52AA6E4}">
+                <adec:decorative xmlns:adec="http://schemas.microsoft.com/office/drawing/2017/decorative" val="1"/>
               </a:ext>
             </a:extLst>
           </p:cNvPr>
           <p:cNvSpPr>
-            <a:spLocks noGrp="1"/>
+            <a:spLocks noGrp="1" noRot="1" noChangeAspect="1" noMove="1" noResize="1" noEditPoints="1" noAdjustHandles="1" noChangeArrowheads="1" noChangeShapeType="1" noTextEdit="1"/>
           </p:cNvSpPr>
           <p:nvPr>
-            <p:ph idx="1"/>
+            <p:extLst>
+              <p:ext uri="{386F3935-93C4-4BCD-93E2-E3B085C9AB24}">
+                <p16:designElem xmlns:p16="http://schemas.microsoft.com/office/powerpoint/2015/main" val="1"/>
+              </p:ext>
+            </p:extLst>
           </p:nvPr>
         </p:nvSpPr>
-        <p:spPr/>
-        <p:txBody>
-          <a:bodyPr/>
-          <a:lstStyle/>
-          <a:p>
-            <a:r>
-              <a:rPr lang="de-DE" strike="sngStrike" dirty="0"/>
-              <a:t>Titelbild ändern</a:t>
-            </a:r>
-          </a:p>
-        </p:txBody>
+        <p:spPr>
+          <a:xfrm>
+            <a:off x="3175" y="6400800"/>
+            <a:ext cx="12188825" cy="457200"/>
+          </a:xfrm>
+          <a:prstGeom prst="rect">
+            <a:avLst/>
+          </a:prstGeom>
+          <a:solidFill>
+            <a:srgbClr val="262626"/>
+          </a:solidFill>
+          <a:ln>
+            <a:noFill/>
+          </a:ln>
+        </p:spPr>
+        <p:style>
+          <a:lnRef idx="2">
+            <a:schemeClr val="accent1">
+              <a:shade val="50000"/>
+            </a:schemeClr>
+          </a:lnRef>
+          <a:fillRef idx="1">
+            <a:schemeClr val="accent1"/>
+          </a:fillRef>
+          <a:effectRef idx="0">
+            <a:schemeClr val="accent1"/>
+          </a:effectRef>
+          <a:fontRef idx="minor">
+            <a:schemeClr val="lt1"/>
+          </a:fontRef>
+        </p:style>
       </p:sp>
     </p:spTree>
     <p:extLst>
       <p:ext uri="{BB962C8B-B14F-4D97-AF65-F5344CB8AC3E}">
-        <p14:creationId xmlns:p14="http://schemas.microsoft.com/office/powerpoint/2010/main" val="62784430"/>
+        <p14:creationId xmlns:p14="http://schemas.microsoft.com/office/powerpoint/2010/main" val="2591824125"/>
       </p:ext>
     </p:extLst>
   </p:cSld>
   <p:clrMapOvr>
-    <a:masterClrMapping/>
+    <a:overrideClrMapping bg1="dk1" tx1="lt1" bg2="dk2" tx2="lt2" accent1="accent1" accent2="accent2" accent3="accent3" accent4="accent4" accent5="accent5" accent6="accent6" hlink="hlink" folHlink="folHlink"/>
   </p:clrMapOvr>
 </p:sld>
 </file>
